--- a/Woof_Wisdom.pptx
+++ b/Woof_Wisdom.pptx
@@ -5,18 +5,22 @@
     <p:sldMasterId id="2147483648" r:id="rId1"/>
   </p:sldMasterIdLst>
   <p:notesMasterIdLst>
-    <p:notesMasterId r:id="rId11"/>
+    <p:notesMasterId r:id="rId15"/>
   </p:notesMasterIdLst>
   <p:sldIdLst>
     <p:sldId id="256" r:id="rId2"/>
     <p:sldId id="267" r:id="rId3"/>
     <p:sldId id="257" r:id="rId4"/>
-    <p:sldId id="263" r:id="rId5"/>
-    <p:sldId id="264" r:id="rId6"/>
-    <p:sldId id="258" r:id="rId7"/>
-    <p:sldId id="259" r:id="rId8"/>
-    <p:sldId id="260" r:id="rId9"/>
-    <p:sldId id="262" r:id="rId10"/>
+    <p:sldId id="258" r:id="rId5"/>
+    <p:sldId id="271" r:id="rId6"/>
+    <p:sldId id="272" r:id="rId7"/>
+    <p:sldId id="273" r:id="rId8"/>
+    <p:sldId id="263" r:id="rId9"/>
+    <p:sldId id="264" r:id="rId10"/>
+    <p:sldId id="259" r:id="rId11"/>
+    <p:sldId id="260" r:id="rId12"/>
+    <p:sldId id="262" r:id="rId13"/>
+    <p:sldId id="274" r:id="rId14"/>
   </p:sldIdLst>
   <p:sldSz cx="12192000" cy="6858000"/>
   <p:notesSz cx="6858000" cy="9144000"/>
@@ -115,6 +119,11 @@
       </a:defRPr>
     </a:lvl9pPr>
   </p:defaultTextStyle>
+  <p:extLst>
+    <p:ext uri="{EFAFB233-063F-42B5-8137-9DF3F51BA10A}">
+      <p15:sldGuideLst xmlns:p15="http://schemas.microsoft.com/office/powerpoint/2012/main"/>
+    </p:ext>
+  </p:extLst>
 </p:presentation>
 </file>
 
@@ -200,7 +209,7 @@
           <a:p>
             <a:fld id="{AC577CFA-46C9-4BF9-88E5-CD11DA4E9254}" type="datetimeFigureOut">
               <a:rPr lang="en-US" smtClean="0"/>
-              <a:t>1/1/2023</a:t>
+              <a:t>1/2/2023</a:t>
             </a:fld>
             <a:endParaRPr lang="en-US"/>
           </a:p>
@@ -616,7 +625,7 @@
           <a:p>
             <a:fld id="{3C6BF590-8C80-4E0C-9893-D97162BB0DD1}" type="slidenum">
               <a:rPr lang="en-US" smtClean="0"/>
-              <a:t>6</a:t>
+              <a:t>4</a:t>
             </a:fld>
             <a:endParaRPr lang="en-US"/>
           </a:p>
@@ -711,7 +720,7 @@
           <a:p>
             <a:fld id="{3C6BF590-8C80-4E0C-9893-D97162BB0DD1}" type="slidenum">
               <a:rPr lang="en-US" smtClean="0"/>
-              <a:t>7</a:t>
+              <a:t>10</a:t>
             </a:fld>
             <a:endParaRPr lang="en-US"/>
           </a:p>
@@ -798,7 +807,7 @@
           <a:p>
             <a:fld id="{3C6BF590-8C80-4E0C-9893-D97162BB0DD1}" type="slidenum">
               <a:rPr lang="en-US" smtClean="0"/>
-              <a:t>8</a:t>
+              <a:t>11</a:t>
             </a:fld>
             <a:endParaRPr lang="en-US"/>
           </a:p>
@@ -893,7 +902,7 @@
           <a:p>
             <a:fld id="{3C6BF590-8C80-4E0C-9893-D97162BB0DD1}" type="slidenum">
               <a:rPr lang="en-US" smtClean="0"/>
-              <a:t>9</a:t>
+              <a:t>12</a:t>
             </a:fld>
             <a:endParaRPr lang="en-US"/>
           </a:p>
@@ -1059,7 +1068,7 @@
           <a:p>
             <a:fld id="{4CE8DB81-2562-4A83-B6E9-D0CE9890F8A2}" type="datetimeFigureOut">
               <a:rPr lang="en-US" smtClean="0"/>
-              <a:t>1/1/2023</a:t>
+              <a:t>1/2/2023</a:t>
             </a:fld>
             <a:endParaRPr lang="en-US"/>
           </a:p>
@@ -1257,7 +1266,7 @@
           <a:p>
             <a:fld id="{4CE8DB81-2562-4A83-B6E9-D0CE9890F8A2}" type="datetimeFigureOut">
               <a:rPr lang="en-US" smtClean="0"/>
-              <a:t>1/1/2023</a:t>
+              <a:t>1/2/2023</a:t>
             </a:fld>
             <a:endParaRPr lang="en-US"/>
           </a:p>
@@ -1465,7 +1474,7 @@
           <a:p>
             <a:fld id="{4CE8DB81-2562-4A83-B6E9-D0CE9890F8A2}" type="datetimeFigureOut">
               <a:rPr lang="en-US" smtClean="0"/>
-              <a:t>1/1/2023</a:t>
+              <a:t>1/2/2023</a:t>
             </a:fld>
             <a:endParaRPr lang="en-US"/>
           </a:p>
@@ -1663,7 +1672,7 @@
           <a:p>
             <a:fld id="{4CE8DB81-2562-4A83-B6E9-D0CE9890F8A2}" type="datetimeFigureOut">
               <a:rPr lang="en-US" smtClean="0"/>
-              <a:t>1/1/2023</a:t>
+              <a:t>1/2/2023</a:t>
             </a:fld>
             <a:endParaRPr lang="en-US"/>
           </a:p>
@@ -1938,7 +1947,7 @@
           <a:p>
             <a:fld id="{4CE8DB81-2562-4A83-B6E9-D0CE9890F8A2}" type="datetimeFigureOut">
               <a:rPr lang="en-US" smtClean="0"/>
-              <a:t>1/1/2023</a:t>
+              <a:t>1/2/2023</a:t>
             </a:fld>
             <a:endParaRPr lang="en-US"/>
           </a:p>
@@ -2203,7 +2212,7 @@
           <a:p>
             <a:fld id="{4CE8DB81-2562-4A83-B6E9-D0CE9890F8A2}" type="datetimeFigureOut">
               <a:rPr lang="en-US" smtClean="0"/>
-              <a:t>1/1/2023</a:t>
+              <a:t>1/2/2023</a:t>
             </a:fld>
             <a:endParaRPr lang="en-US"/>
           </a:p>
@@ -2615,7 +2624,7 @@
           <a:p>
             <a:fld id="{4CE8DB81-2562-4A83-B6E9-D0CE9890F8A2}" type="datetimeFigureOut">
               <a:rPr lang="en-US" smtClean="0"/>
-              <a:t>1/1/2023</a:t>
+              <a:t>1/2/2023</a:t>
             </a:fld>
             <a:endParaRPr lang="en-US"/>
           </a:p>
@@ -2756,7 +2765,7 @@
           <a:p>
             <a:fld id="{4CE8DB81-2562-4A83-B6E9-D0CE9890F8A2}" type="datetimeFigureOut">
               <a:rPr lang="en-US" smtClean="0"/>
-              <a:t>1/1/2023</a:t>
+              <a:t>1/2/2023</a:t>
             </a:fld>
             <a:endParaRPr lang="en-US"/>
           </a:p>
@@ -2869,7 +2878,7 @@
           <a:p>
             <a:fld id="{4CE8DB81-2562-4A83-B6E9-D0CE9890F8A2}" type="datetimeFigureOut">
               <a:rPr lang="en-US" smtClean="0"/>
-              <a:t>1/1/2023</a:t>
+              <a:t>1/2/2023</a:t>
             </a:fld>
             <a:endParaRPr lang="en-US"/>
           </a:p>
@@ -3180,7 +3189,7 @@
           <a:p>
             <a:fld id="{4CE8DB81-2562-4A83-B6E9-D0CE9890F8A2}" type="datetimeFigureOut">
               <a:rPr lang="en-US" smtClean="0"/>
-              <a:t>1/1/2023</a:t>
+              <a:t>1/2/2023</a:t>
             </a:fld>
             <a:endParaRPr lang="en-US"/>
           </a:p>
@@ -3468,7 +3477,7 @@
           <a:p>
             <a:fld id="{4CE8DB81-2562-4A83-B6E9-D0CE9890F8A2}" type="datetimeFigureOut">
               <a:rPr lang="en-US" smtClean="0"/>
-              <a:t>1/1/2023</a:t>
+              <a:t>1/2/2023</a:t>
             </a:fld>
             <a:endParaRPr lang="en-US"/>
           </a:p>
@@ -3709,7 +3718,7 @@
           <a:p>
             <a:fld id="{4CE8DB81-2562-4A83-B6E9-D0CE9890F8A2}" type="datetimeFigureOut">
               <a:rPr lang="en-US" smtClean="0"/>
-              <a:t>1/1/2023</a:t>
+              <a:t>1/2/2023</a:t>
             </a:fld>
             <a:endParaRPr lang="en-US"/>
           </a:p>
@@ -4321,6 +4330,1830 @@
 </p:sld>
 </file>
 
+<file path=ppt/slides/slide10.xml><?xml version="1.0" encoding="utf-8"?>
+<p:sld xmlns:a="http://schemas.openxmlformats.org/drawingml/2006/main" xmlns:r="http://schemas.openxmlformats.org/officeDocument/2006/relationships" xmlns:p="http://schemas.openxmlformats.org/presentationml/2006/main">
+  <p:cSld>
+    <p:spTree>
+      <p:nvGrpSpPr>
+        <p:cNvPr id="1" name=""/>
+        <p:cNvGrpSpPr/>
+        <p:nvPr/>
+      </p:nvGrpSpPr>
+      <p:grpSpPr>
+        <a:xfrm>
+          <a:off x="0" y="0"/>
+          <a:ext cx="0" cy="0"/>
+          <a:chOff x="0" y="0"/>
+          <a:chExt cx="0" cy="0"/>
+        </a:xfrm>
+      </p:grpSpPr>
+      <p:sp>
+        <p:nvSpPr>
+          <p:cNvPr id="3" name="TextBox 2">
+            <a:extLst>
+              <a:ext uri="{FF2B5EF4-FFF2-40B4-BE49-F238E27FC236}">
+                <a16:creationId xmlns:a16="http://schemas.microsoft.com/office/drawing/2014/main" id="{E10249E1-248C-45DE-9B6C-0BBA032EA485}"/>
+              </a:ext>
+            </a:extLst>
+          </p:cNvPr>
+          <p:cNvSpPr txBox="1"/>
+          <p:nvPr/>
+        </p:nvSpPr>
+        <p:spPr>
+          <a:xfrm>
+            <a:off x="397618" y="500122"/>
+            <a:ext cx="8734506" cy="5362365"/>
+          </a:xfrm>
+          <a:prstGeom prst="rect">
+            <a:avLst/>
+          </a:prstGeom>
+          <a:noFill/>
+        </p:spPr>
+        <p:txBody>
+          <a:bodyPr wrap="square">
+            <a:spAutoFit/>
+          </a:bodyPr>
+          <a:lstStyle/>
+          <a:p>
+            <a:pPr marR="0" lvl="0" rtl="0">
+              <a:lnSpc>
+                <a:spcPct val="107000"/>
+              </a:lnSpc>
+              <a:spcBef>
+                <a:spcPts val="0"/>
+              </a:spcBef>
+              <a:spcAft>
+                <a:spcPts val="800"/>
+              </a:spcAft>
+              <a:tabLst>
+                <a:tab pos="228600" algn="l"/>
+              </a:tabLst>
+            </a:pPr>
+            <a:r>
+              <a:rPr lang="en-US" sz="4400" b="1" dirty="0">
+                <a:effectLst>
+                  <a:outerShdw blurRad="38100" dist="38100" dir="2700000" algn="tl">
+                    <a:srgbClr val="000000">
+                      <a:alpha val="43137"/>
+                    </a:srgbClr>
+                  </a:outerShdw>
+                </a:effectLst>
+                <a:latin typeface="Eras Medium ITC" panose="020B0602030504020804" pitchFamily="34" charset="0"/>
+                <a:ea typeface="+mj-ea"/>
+                <a:cs typeface="+mj-cs"/>
+              </a:rPr>
+              <a:t>Are there other approaches ?</a:t>
+            </a:r>
+          </a:p>
+          <a:p>
+            <a:pPr marR="0" lvl="0" rtl="0">
+              <a:lnSpc>
+                <a:spcPct val="107000"/>
+              </a:lnSpc>
+              <a:spcBef>
+                <a:spcPts val="0"/>
+              </a:spcBef>
+              <a:spcAft>
+                <a:spcPts val="800"/>
+              </a:spcAft>
+              <a:tabLst>
+                <a:tab pos="228600" algn="l"/>
+              </a:tabLst>
+            </a:pPr>
+            <a:endParaRPr lang="en-US" sz="1050" b="1" dirty="0">
+              <a:effectLst>
+                <a:outerShdw blurRad="38100" dist="38100" dir="2700000" algn="tl">
+                  <a:srgbClr val="000000">
+                    <a:alpha val="43137"/>
+                  </a:srgbClr>
+                </a:outerShdw>
+              </a:effectLst>
+              <a:latin typeface="Eras Medium ITC" panose="020B0602030504020804" pitchFamily="34" charset="0"/>
+              <a:ea typeface="+mj-ea"/>
+              <a:cs typeface="+mj-cs"/>
+            </a:endParaRPr>
+          </a:p>
+          <a:p>
+            <a:pPr marL="457200" marR="0" lvl="0" indent="-457200" rtl="0">
+              <a:lnSpc>
+                <a:spcPct val="150000"/>
+              </a:lnSpc>
+              <a:spcBef>
+                <a:spcPts val="0"/>
+              </a:spcBef>
+              <a:spcAft>
+                <a:spcPts val="800"/>
+              </a:spcAft>
+              <a:buFont typeface="Arial" panose="020B0604020202020204" pitchFamily="34" charset="0"/>
+              <a:buChar char="•"/>
+              <a:tabLst>
+                <a:tab pos="228600" algn="l"/>
+              </a:tabLst>
+            </a:pPr>
+            <a:r>
+              <a:rPr lang="en-US" sz="3600" dirty="0">
+                <a:latin typeface="Eras Medium ITC" panose="020B0602030504020804" pitchFamily="34" charset="0"/>
+              </a:rPr>
+              <a:t>Website – less accessible and less convenient to use anywhere</a:t>
+            </a:r>
+          </a:p>
+          <a:p>
+            <a:pPr marL="457200" marR="0" lvl="0" indent="-457200" rtl="0">
+              <a:lnSpc>
+                <a:spcPct val="150000"/>
+              </a:lnSpc>
+              <a:spcBef>
+                <a:spcPts val="0"/>
+              </a:spcBef>
+              <a:spcAft>
+                <a:spcPts val="800"/>
+              </a:spcAft>
+              <a:buFont typeface="Arial" panose="020B0604020202020204" pitchFamily="34" charset="0"/>
+              <a:buChar char="•"/>
+              <a:tabLst>
+                <a:tab pos="228600" algn="l"/>
+              </a:tabLst>
+            </a:pPr>
+            <a:r>
+              <a:rPr lang="en-US" sz="3600" dirty="0">
+                <a:latin typeface="Eras Medium ITC" panose="020B0602030504020804" pitchFamily="34" charset="0"/>
+              </a:rPr>
+              <a:t>Few applications – each concentrating on different subject – less convenient to the user</a:t>
+            </a:r>
+          </a:p>
+        </p:txBody>
+      </p:sp>
+      <p:pic>
+        <p:nvPicPr>
+          <p:cNvPr id="2" name="Picture 2" descr="Track paw prints icon in flat style footprints animals dog or cat icon symbol">
+            <a:extLst>
+              <a:ext uri="{FF2B5EF4-FFF2-40B4-BE49-F238E27FC236}">
+                <a16:creationId xmlns:a16="http://schemas.microsoft.com/office/drawing/2014/main" id="{A5C823DC-F8BA-3D9F-EA35-8B58D8024087}"/>
+              </a:ext>
+            </a:extLst>
+          </p:cNvPr>
+          <p:cNvPicPr>
+            <a:picLocks noChangeAspect="1" noChangeArrowheads="1"/>
+          </p:cNvPicPr>
+          <p:nvPr/>
+        </p:nvPicPr>
+        <p:blipFill rotWithShape="1">
+          <a:blip r:embed="rId3">
+            <a:alphaModFix/>
+            <a:lum bright="70000" contrast="-70000"/>
+            <a:extLst>
+              <a:ext uri="{BEBA8EAE-BF5A-486C-A8C5-ECC9F3942E4B}">
+                <a14:imgProps xmlns:a14="http://schemas.microsoft.com/office/drawing/2010/main">
+                  <a14:imgLayer r:embed="rId4">
+                    <a14:imgEffect>
+                      <a14:colorTemperature colorTemp="8800"/>
+                    </a14:imgEffect>
+                    <a14:imgEffect>
+                      <a14:brightnessContrast bright="20000" contrast="20000"/>
+                    </a14:imgEffect>
+                  </a14:imgLayer>
+                </a14:imgProps>
+              </a:ext>
+              <a:ext uri="{28A0092B-C50C-407E-A947-70E740481C1C}">
+                <a14:useLocalDpi xmlns:a14="http://schemas.microsoft.com/office/drawing/2010/main" val="0"/>
+              </a:ext>
+            </a:extLst>
+          </a:blip>
+          <a:srcRect l="30439" t="3466" r="24516"/>
+          <a:stretch/>
+        </p:blipFill>
+        <p:spPr bwMode="auto">
+          <a:xfrm>
+            <a:off x="9132124" y="344385"/>
+            <a:ext cx="2683823" cy="6410325"/>
+          </a:xfrm>
+          <a:prstGeom prst="rect">
+            <a:avLst/>
+          </a:prstGeom>
+          <a:solidFill>
+            <a:schemeClr val="accent1">
+              <a:alpha val="57000"/>
+            </a:schemeClr>
+          </a:solidFill>
+        </p:spPr>
+      </p:pic>
+    </p:spTree>
+    <p:extLst>
+      <p:ext uri="{BB962C8B-B14F-4D97-AF65-F5344CB8AC3E}">
+        <p14:creationId xmlns:p14="http://schemas.microsoft.com/office/powerpoint/2010/main" val="1561612993"/>
+      </p:ext>
+    </p:extLst>
+  </p:cSld>
+  <p:clrMapOvr>
+    <a:masterClrMapping/>
+  </p:clrMapOvr>
+</p:sld>
+</file>
+
+<file path=ppt/slides/slide11.xml><?xml version="1.0" encoding="utf-8"?>
+<p:sld xmlns:a="http://schemas.openxmlformats.org/drawingml/2006/main" xmlns:r="http://schemas.openxmlformats.org/officeDocument/2006/relationships" xmlns:p="http://schemas.openxmlformats.org/presentationml/2006/main">
+  <p:cSld>
+    <p:bg>
+      <p:bgRef idx="1001">
+        <a:schemeClr val="bg1"/>
+      </p:bgRef>
+    </p:bg>
+    <p:spTree>
+      <p:nvGrpSpPr>
+        <p:cNvPr id="1" name=""/>
+        <p:cNvGrpSpPr/>
+        <p:nvPr/>
+      </p:nvGrpSpPr>
+      <p:grpSpPr>
+        <a:xfrm>
+          <a:off x="0" y="0"/>
+          <a:ext cx="0" cy="0"/>
+          <a:chOff x="0" y="0"/>
+          <a:chExt cx="0" cy="0"/>
+        </a:xfrm>
+      </p:grpSpPr>
+      <p:pic>
+        <p:nvPicPr>
+          <p:cNvPr id="2" name="Picture 1" descr="Track paw prints icon in flat style footprints animals dog or cat icon symbol">
+            <a:extLst>
+              <a:ext uri="{FF2B5EF4-FFF2-40B4-BE49-F238E27FC236}">
+                <a16:creationId xmlns:a16="http://schemas.microsoft.com/office/drawing/2014/main" id="{F1772C3E-A69A-7461-2AC3-346B1E78928C}"/>
+              </a:ext>
+            </a:extLst>
+          </p:cNvPr>
+          <p:cNvPicPr>
+            <a:picLocks noChangeAspect="1" noChangeArrowheads="1"/>
+          </p:cNvPicPr>
+          <p:nvPr/>
+        </p:nvPicPr>
+        <p:blipFill rotWithShape="1">
+          <a:blip r:embed="rId4">
+            <a:alphaModFix/>
+            <a:lum bright="70000" contrast="-70000"/>
+            <a:extLst>
+              <a:ext uri="{BEBA8EAE-BF5A-486C-A8C5-ECC9F3942E4B}">
+                <a14:imgProps xmlns:a14="http://schemas.microsoft.com/office/drawing/2010/main">
+                  <a14:imgLayer r:embed="rId5">
+                    <a14:imgEffect>
+                      <a14:colorTemperature colorTemp="8800"/>
+                    </a14:imgEffect>
+                    <a14:imgEffect>
+                      <a14:brightnessContrast bright="20000" contrast="20000"/>
+                    </a14:imgEffect>
+                  </a14:imgLayer>
+                </a14:imgProps>
+              </a:ext>
+              <a:ext uri="{28A0092B-C50C-407E-A947-70E740481C1C}">
+                <a14:useLocalDpi xmlns:a14="http://schemas.microsoft.com/office/drawing/2010/main" val="0"/>
+              </a:ext>
+            </a:extLst>
+          </a:blip>
+          <a:srcRect l="30439" t="3466" r="24516"/>
+          <a:stretch/>
+        </p:blipFill>
+        <p:spPr bwMode="auto">
+          <a:xfrm>
+            <a:off x="9132124" y="344385"/>
+            <a:ext cx="2683823" cy="6410325"/>
+          </a:xfrm>
+          <a:prstGeom prst="rect">
+            <a:avLst/>
+          </a:prstGeom>
+          <a:solidFill>
+            <a:schemeClr val="accent1">
+              <a:alpha val="57000"/>
+            </a:schemeClr>
+          </a:solidFill>
+        </p:spPr>
+      </p:pic>
+      <p:sp>
+        <p:nvSpPr>
+          <p:cNvPr id="3" name="TextBox 2">
+            <a:extLst>
+              <a:ext uri="{FF2B5EF4-FFF2-40B4-BE49-F238E27FC236}">
+                <a16:creationId xmlns:a16="http://schemas.microsoft.com/office/drawing/2014/main" id="{F06075CC-8260-495D-A1F2-082CDD80DB29}"/>
+              </a:ext>
+            </a:extLst>
+          </p:cNvPr>
+          <p:cNvSpPr txBox="1"/>
+          <p:nvPr/>
+        </p:nvSpPr>
+        <p:spPr>
+          <a:xfrm>
+            <a:off x="0" y="650174"/>
+            <a:ext cx="9559636" cy="4028704"/>
+          </a:xfrm>
+          <a:prstGeom prst="rect">
+            <a:avLst/>
+          </a:prstGeom>
+        </p:spPr>
+        <p:txBody>
+          <a:bodyPr vert="horz" lIns="91440" tIns="45720" rIns="91440" bIns="45720" rtlCol="0" anchor="b">
+            <a:normAutofit/>
+          </a:bodyPr>
+          <a:lstStyle/>
+          <a:p>
+            <a:pPr lvl="1">
+              <a:lnSpc>
+                <a:spcPct val="90000"/>
+              </a:lnSpc>
+              <a:spcBef>
+                <a:spcPct val="0"/>
+              </a:spcBef>
+              <a:spcAft>
+                <a:spcPts val="800"/>
+              </a:spcAft>
+              <a:tabLst>
+                <a:tab pos="228600" algn="l"/>
+              </a:tabLst>
+            </a:pPr>
+            <a:r>
+              <a:rPr lang="en-US" sz="5400" b="1" dirty="0">
+                <a:effectLst>
+                  <a:outerShdw blurRad="38100" dist="38100" dir="2700000" algn="tl">
+                    <a:srgbClr val="000000">
+                      <a:alpha val="43137"/>
+                    </a:srgbClr>
+                  </a:outerShdw>
+                </a:effectLst>
+                <a:latin typeface="Eras Medium ITC" panose="020B0602030504020804" pitchFamily="34" charset="0"/>
+                <a:ea typeface="+mj-ea"/>
+                <a:cs typeface="+mj-cs"/>
+              </a:rPr>
+              <a:t>Who are the expected users of the application ?</a:t>
+            </a:r>
+          </a:p>
+          <a:p>
+            <a:pPr lvl="1">
+              <a:lnSpc>
+                <a:spcPct val="90000"/>
+              </a:lnSpc>
+              <a:spcBef>
+                <a:spcPct val="0"/>
+              </a:spcBef>
+              <a:spcAft>
+                <a:spcPts val="800"/>
+              </a:spcAft>
+              <a:tabLst>
+                <a:tab pos="228600" algn="l"/>
+              </a:tabLst>
+            </a:pPr>
+            <a:endParaRPr lang="en-US" sz="1400" b="1" dirty="0">
+              <a:effectLst>
+                <a:outerShdw blurRad="38100" dist="38100" dir="2700000" algn="tl">
+                  <a:srgbClr val="000000">
+                    <a:alpha val="43137"/>
+                  </a:srgbClr>
+                </a:outerShdw>
+              </a:effectLst>
+              <a:latin typeface="Eras Medium ITC" panose="020B0602030504020804" pitchFamily="34" charset="0"/>
+              <a:ea typeface="+mj-ea"/>
+              <a:cs typeface="+mj-cs"/>
+            </a:endParaRPr>
+          </a:p>
+          <a:p>
+            <a:pPr marL="1028700" lvl="1" indent="-571500">
+              <a:lnSpc>
+                <a:spcPct val="150000"/>
+              </a:lnSpc>
+              <a:spcBef>
+                <a:spcPct val="0"/>
+              </a:spcBef>
+              <a:spcAft>
+                <a:spcPts val="800"/>
+              </a:spcAft>
+              <a:buFont typeface="Arial" panose="020B0604020202020204" pitchFamily="34" charset="0"/>
+              <a:buChar char="•"/>
+              <a:tabLst>
+                <a:tab pos="228600" algn="l"/>
+              </a:tabLst>
+            </a:pPr>
+            <a:r>
+              <a:rPr lang="en-US" sz="3600" dirty="0">
+                <a:latin typeface="Eras Medium ITC" panose="020B0602030504020804" pitchFamily="34" charset="0"/>
+              </a:rPr>
+              <a:t>Different types of users for dog owners, vets, </a:t>
+            </a:r>
+            <a:r>
+              <a:rPr lang="en-US" sz="3600" dirty="0" err="1">
+                <a:latin typeface="Eras Medium ITC" panose="020B0602030504020804" pitchFamily="34" charset="0"/>
+              </a:rPr>
+              <a:t>doggisiters</a:t>
+            </a:r>
+            <a:r>
+              <a:rPr lang="en-US" sz="3600" dirty="0">
+                <a:latin typeface="Eras Medium ITC" panose="020B0602030504020804" pitchFamily="34" charset="0"/>
+              </a:rPr>
+              <a:t>, trainers</a:t>
+            </a:r>
+          </a:p>
+        </p:txBody>
+      </p:sp>
+    </p:spTree>
+    <p:extLst>
+      <p:ext uri="{BB962C8B-B14F-4D97-AF65-F5344CB8AC3E}">
+        <p14:creationId xmlns:p14="http://schemas.microsoft.com/office/powerpoint/2010/main" val="2507107282"/>
+      </p:ext>
+    </p:extLst>
+  </p:cSld>
+  <p:clrMapOvr>
+    <a:overrideClrMapping bg1="lt1" tx1="dk1" bg2="lt2" tx2="dk2" accent1="accent1" accent2="accent2" accent3="accent3" accent4="accent4" accent5="accent5" accent6="accent6" hlink="hlink" folHlink="folHlink"/>
+  </p:clrMapOvr>
+</p:sld>
+</file>
+
+<file path=ppt/slides/slide12.xml><?xml version="1.0" encoding="utf-8"?>
+<p:sld xmlns:a="http://schemas.openxmlformats.org/drawingml/2006/main" xmlns:r="http://schemas.openxmlformats.org/officeDocument/2006/relationships" xmlns:p="http://schemas.openxmlformats.org/presentationml/2006/main">
+  <p:cSld>
+    <p:spTree>
+      <p:nvGrpSpPr>
+        <p:cNvPr id="1" name=""/>
+        <p:cNvGrpSpPr/>
+        <p:nvPr/>
+      </p:nvGrpSpPr>
+      <p:grpSpPr>
+        <a:xfrm>
+          <a:off x="0" y="0"/>
+          <a:ext cx="0" cy="0"/>
+          <a:chOff x="0" y="0"/>
+          <a:chExt cx="0" cy="0"/>
+        </a:xfrm>
+      </p:grpSpPr>
+      <p:pic>
+        <p:nvPicPr>
+          <p:cNvPr id="2" name="Picture 1" descr="Track paw prints icon in flat style footprints animals dog or cat icon symbol">
+            <a:extLst>
+              <a:ext uri="{FF2B5EF4-FFF2-40B4-BE49-F238E27FC236}">
+                <a16:creationId xmlns:a16="http://schemas.microsoft.com/office/drawing/2014/main" id="{8379977D-1365-C154-B6E8-21F7F815CD13}"/>
+              </a:ext>
+            </a:extLst>
+          </p:cNvPr>
+          <p:cNvPicPr>
+            <a:picLocks noChangeAspect="1" noChangeArrowheads="1"/>
+          </p:cNvPicPr>
+          <p:nvPr/>
+        </p:nvPicPr>
+        <p:blipFill rotWithShape="1">
+          <a:blip r:embed="rId3">
+            <a:alphaModFix/>
+            <a:lum bright="70000" contrast="-70000"/>
+            <a:extLst>
+              <a:ext uri="{BEBA8EAE-BF5A-486C-A8C5-ECC9F3942E4B}">
+                <a14:imgProps xmlns:a14="http://schemas.microsoft.com/office/drawing/2010/main">
+                  <a14:imgLayer r:embed="rId4">
+                    <a14:imgEffect>
+                      <a14:colorTemperature colorTemp="8800"/>
+                    </a14:imgEffect>
+                    <a14:imgEffect>
+                      <a14:brightnessContrast bright="20000" contrast="20000"/>
+                    </a14:imgEffect>
+                  </a14:imgLayer>
+                </a14:imgProps>
+              </a:ext>
+              <a:ext uri="{28A0092B-C50C-407E-A947-70E740481C1C}">
+                <a14:useLocalDpi xmlns:a14="http://schemas.microsoft.com/office/drawing/2010/main" val="0"/>
+              </a:ext>
+            </a:extLst>
+          </a:blip>
+          <a:srcRect l="30439" t="3466" r="24516"/>
+          <a:stretch/>
+        </p:blipFill>
+        <p:spPr bwMode="auto">
+          <a:xfrm>
+            <a:off x="9132124" y="344385"/>
+            <a:ext cx="2683823" cy="6410325"/>
+          </a:xfrm>
+          <a:prstGeom prst="rect">
+            <a:avLst/>
+          </a:prstGeom>
+          <a:solidFill>
+            <a:schemeClr val="accent1">
+              <a:alpha val="57000"/>
+            </a:schemeClr>
+          </a:solidFill>
+        </p:spPr>
+      </p:pic>
+      <p:sp>
+        <p:nvSpPr>
+          <p:cNvPr id="3" name="TextBox 2">
+            <a:extLst>
+              <a:ext uri="{FF2B5EF4-FFF2-40B4-BE49-F238E27FC236}">
+                <a16:creationId xmlns:a16="http://schemas.microsoft.com/office/drawing/2014/main" id="{50C17A3F-8E81-4EA9-9B6C-1DF754F6DC4F}"/>
+              </a:ext>
+            </a:extLst>
+          </p:cNvPr>
+          <p:cNvSpPr txBox="1"/>
+          <p:nvPr/>
+        </p:nvSpPr>
+        <p:spPr>
+          <a:xfrm>
+            <a:off x="376053" y="504226"/>
+            <a:ext cx="8898576" cy="3769815"/>
+          </a:xfrm>
+          <a:prstGeom prst="rect">
+            <a:avLst/>
+          </a:prstGeom>
+          <a:noFill/>
+        </p:spPr>
+        <p:txBody>
+          <a:bodyPr wrap="square">
+            <a:spAutoFit/>
+          </a:bodyPr>
+          <a:lstStyle/>
+          <a:p>
+            <a:pPr marR="0" lvl="0" rtl="0">
+              <a:lnSpc>
+                <a:spcPct val="107000"/>
+              </a:lnSpc>
+              <a:spcBef>
+                <a:spcPts val="0"/>
+              </a:spcBef>
+              <a:spcAft>
+                <a:spcPts val="800"/>
+              </a:spcAft>
+              <a:tabLst>
+                <a:tab pos="228600" algn="l"/>
+              </a:tabLst>
+            </a:pPr>
+            <a:r>
+              <a:rPr lang="en-US" sz="4400" b="1" dirty="0">
+                <a:effectLst>
+                  <a:outerShdw blurRad="38100" dist="38100" dir="2700000" algn="tl">
+                    <a:srgbClr val="000000">
+                      <a:alpha val="43137"/>
+                    </a:srgbClr>
+                  </a:outerShdw>
+                </a:effectLst>
+                <a:latin typeface="Eras Medium ITC" panose="020B0602030504020804" pitchFamily="34" charset="0"/>
+                <a:ea typeface="+mj-ea"/>
+                <a:cs typeface="+mj-cs"/>
+              </a:rPr>
+              <a:t>Are there any external dependencies ?</a:t>
+            </a:r>
+          </a:p>
+          <a:p>
+            <a:pPr marR="0" lvl="0" rtl="0">
+              <a:lnSpc>
+                <a:spcPct val="107000"/>
+              </a:lnSpc>
+              <a:spcBef>
+                <a:spcPts val="0"/>
+              </a:spcBef>
+              <a:spcAft>
+                <a:spcPts val="800"/>
+              </a:spcAft>
+              <a:tabLst>
+                <a:tab pos="228600" algn="l"/>
+              </a:tabLst>
+            </a:pPr>
+            <a:endParaRPr lang="en-US" sz="1050" b="1" dirty="0">
+              <a:effectLst>
+                <a:outerShdw blurRad="38100" dist="38100" dir="2700000" algn="tl">
+                  <a:srgbClr val="000000">
+                    <a:alpha val="43137"/>
+                  </a:srgbClr>
+                </a:outerShdw>
+              </a:effectLst>
+              <a:latin typeface="Eras Medium ITC" panose="020B0602030504020804" pitchFamily="34" charset="0"/>
+              <a:ea typeface="+mj-ea"/>
+              <a:cs typeface="+mj-cs"/>
+            </a:endParaRPr>
+          </a:p>
+          <a:p>
+            <a:pPr marL="457200" marR="0" lvl="0" indent="-457200" rtl="0">
+              <a:lnSpc>
+                <a:spcPct val="107000"/>
+              </a:lnSpc>
+              <a:spcBef>
+                <a:spcPts val="0"/>
+              </a:spcBef>
+              <a:spcAft>
+                <a:spcPts val="800"/>
+              </a:spcAft>
+              <a:buFont typeface="Arial" panose="020B0604020202020204" pitchFamily="34" charset="0"/>
+              <a:buChar char="•"/>
+              <a:tabLst>
+                <a:tab pos="228600" algn="l"/>
+              </a:tabLst>
+            </a:pPr>
+            <a:r>
+              <a:rPr lang="en-US" sz="3600" dirty="0">
+                <a:latin typeface="Eras Medium ITC" panose="020B0602030504020804" pitchFamily="34" charset="0"/>
+              </a:rPr>
+              <a:t>External databases containing information about dog breeds</a:t>
+            </a:r>
+          </a:p>
+          <a:p>
+            <a:pPr marL="457200" marR="0" lvl="0" indent="-457200" rtl="0">
+              <a:lnSpc>
+                <a:spcPct val="107000"/>
+              </a:lnSpc>
+              <a:spcBef>
+                <a:spcPts val="0"/>
+              </a:spcBef>
+              <a:spcAft>
+                <a:spcPts val="800"/>
+              </a:spcAft>
+              <a:buFont typeface="Arial" panose="020B0604020202020204" pitchFamily="34" charset="0"/>
+              <a:buChar char="•"/>
+              <a:tabLst>
+                <a:tab pos="228600" algn="l"/>
+              </a:tabLst>
+            </a:pPr>
+            <a:r>
+              <a:rPr lang="en-US" sz="3600" dirty="0">
+                <a:latin typeface="Eras Medium ITC" panose="020B0602030504020804" pitchFamily="34" charset="0"/>
+              </a:rPr>
+              <a:t>Location services</a:t>
+            </a:r>
+          </a:p>
+        </p:txBody>
+      </p:sp>
+    </p:spTree>
+    <p:extLst>
+      <p:ext uri="{BB962C8B-B14F-4D97-AF65-F5344CB8AC3E}">
+        <p14:creationId xmlns:p14="http://schemas.microsoft.com/office/powerpoint/2010/main" val="3871959679"/>
+      </p:ext>
+    </p:extLst>
+  </p:cSld>
+  <p:clrMapOvr>
+    <a:masterClrMapping/>
+  </p:clrMapOvr>
+</p:sld>
+</file>
+
+<file path=ppt/slides/slide13.xml><?xml version="1.0" encoding="utf-8"?>
+<p:sld xmlns:a="http://schemas.openxmlformats.org/drawingml/2006/main" xmlns:r="http://schemas.openxmlformats.org/officeDocument/2006/relationships" xmlns:p="http://schemas.openxmlformats.org/presentationml/2006/main">
+  <p:cSld>
+    <p:bg>
+      <p:bgPr>
+        <a:solidFill>
+          <a:schemeClr val="bg1"/>
+        </a:solidFill>
+        <a:effectLst/>
+      </p:bgPr>
+    </p:bg>
+    <p:spTree>
+      <p:nvGrpSpPr>
+        <p:cNvPr id="1" name=""/>
+        <p:cNvGrpSpPr/>
+        <p:nvPr/>
+      </p:nvGrpSpPr>
+      <p:grpSpPr>
+        <a:xfrm>
+          <a:off x="0" y="0"/>
+          <a:ext cx="0" cy="0"/>
+          <a:chOff x="0" y="0"/>
+          <a:chExt cx="0" cy="0"/>
+        </a:xfrm>
+      </p:grpSpPr>
+      <p:sp useBgFill="1">
+        <p:nvSpPr>
+          <p:cNvPr id="10" name="Rectangle 9">
+            <a:extLst>
+              <a:ext uri="{FF2B5EF4-FFF2-40B4-BE49-F238E27FC236}">
+                <a16:creationId xmlns:a16="http://schemas.microsoft.com/office/drawing/2014/main" id="{362D44EE-C852-4460-B8B5-C4F2BC20510C}"/>
+              </a:ext>
+              <a:ext uri="{C183D7F6-B498-43B3-948B-1728B52AA6E4}">
+                <adec:decorative xmlns:adec="http://schemas.microsoft.com/office/drawing/2017/decorative" val="1"/>
+              </a:ext>
+            </a:extLst>
+          </p:cNvPr>
+          <p:cNvSpPr>
+            <a:spLocks noGrp="1" noRot="1" noChangeAspect="1" noMove="1" noResize="1" noEditPoints="1" noAdjustHandles="1" noChangeArrowheads="1" noChangeShapeType="1" noTextEdit="1"/>
+          </p:cNvSpPr>
+          <p:nvPr>
+            <p:extLst>
+              <p:ext uri="{386F3935-93C4-4BCD-93E2-E3B085C9AB24}">
+                <p16:designElem xmlns:p16="http://schemas.microsoft.com/office/powerpoint/2015/main" val="1"/>
+              </p:ext>
+            </p:extLst>
+          </p:nvPr>
+        </p:nvSpPr>
+        <p:spPr>
+          <a:xfrm>
+            <a:off x="0" y="0"/>
+            <a:ext cx="12192000" cy="6858000"/>
+          </a:xfrm>
+          <a:prstGeom prst="rect">
+            <a:avLst/>
+          </a:prstGeom>
+          <a:ln>
+            <a:noFill/>
+          </a:ln>
+        </p:spPr>
+        <p:style>
+          <a:lnRef idx="2">
+            <a:schemeClr val="accent1">
+              <a:shade val="50000"/>
+            </a:schemeClr>
+          </a:lnRef>
+          <a:fillRef idx="1">
+            <a:schemeClr val="accent1"/>
+          </a:fillRef>
+          <a:effectRef idx="0">
+            <a:schemeClr val="accent1"/>
+          </a:effectRef>
+          <a:fontRef idx="minor">
+            <a:schemeClr val="lt1"/>
+          </a:fontRef>
+        </p:style>
+        <p:txBody>
+          <a:bodyPr rtlCol="0" anchor="ctr"/>
+          <a:lstStyle/>
+          <a:p>
+            <a:pPr algn="ctr"/>
+            <a:endParaRPr lang="en-US"/>
+          </a:p>
+        </p:txBody>
+      </p:sp>
+      <p:sp>
+        <p:nvSpPr>
+          <p:cNvPr id="3" name="TextBox 2">
+            <a:extLst>
+              <a:ext uri="{FF2B5EF4-FFF2-40B4-BE49-F238E27FC236}">
+                <a16:creationId xmlns:a16="http://schemas.microsoft.com/office/drawing/2014/main" id="{AB9B3AF5-DA18-A6EF-6455-C8A3B61CC7F2}"/>
+              </a:ext>
+            </a:extLst>
+          </p:cNvPr>
+          <p:cNvSpPr txBox="1"/>
+          <p:nvPr/>
+        </p:nvSpPr>
+        <p:spPr>
+          <a:xfrm>
+            <a:off x="983348" y="1088885"/>
+            <a:ext cx="5334930" cy="3004145"/>
+          </a:xfrm>
+          <a:prstGeom prst="rect">
+            <a:avLst/>
+          </a:prstGeom>
+        </p:spPr>
+        <p:txBody>
+          <a:bodyPr vert="horz" lIns="91440" tIns="45720" rIns="91440" bIns="45720" rtlCol="0" anchor="b">
+            <a:normAutofit/>
+          </a:bodyPr>
+          <a:lstStyle/>
+          <a:p>
+            <a:pPr algn="ctr">
+              <a:lnSpc>
+                <a:spcPct val="90000"/>
+              </a:lnSpc>
+              <a:spcBef>
+                <a:spcPct val="0"/>
+              </a:spcBef>
+              <a:spcAft>
+                <a:spcPts val="600"/>
+              </a:spcAft>
+            </a:pPr>
+            <a:r>
+              <a:rPr lang="en-US" sz="6600" b="1" dirty="0">
+                <a:effectLst>
+                  <a:outerShdw blurRad="38100" dist="38100" dir="2700000" algn="tl">
+                    <a:srgbClr val="000000">
+                      <a:alpha val="43137"/>
+                    </a:srgbClr>
+                  </a:outerShdw>
+                </a:effectLst>
+                <a:latin typeface="Eras Medium ITC" panose="020B0602030504020804" pitchFamily="34" charset="0"/>
+                <a:ea typeface="+mj-ea"/>
+                <a:cs typeface="+mj-cs"/>
+              </a:rPr>
+              <a:t>Thank you for listening </a:t>
+            </a:r>
+          </a:p>
+        </p:txBody>
+      </p:sp>
+      <p:sp>
+        <p:nvSpPr>
+          <p:cNvPr id="12" name="Freeform: Shape 11">
+            <a:extLst>
+              <a:ext uri="{FF2B5EF4-FFF2-40B4-BE49-F238E27FC236}">
+                <a16:creationId xmlns:a16="http://schemas.microsoft.com/office/drawing/2014/main" id="{658970D8-8D1D-4B5C-894B-E871CC86543D}"/>
+              </a:ext>
+              <a:ext uri="{C183D7F6-B498-43B3-948B-1728B52AA6E4}">
+                <adec:decorative xmlns:adec="http://schemas.microsoft.com/office/drawing/2017/decorative" val="1"/>
+              </a:ext>
+            </a:extLst>
+          </p:cNvPr>
+          <p:cNvSpPr>
+            <a:spLocks noGrp="1" noRot="1" noChangeAspect="1" noMove="1" noResize="1" noEditPoints="1" noAdjustHandles="1" noChangeArrowheads="1" noChangeShapeType="1" noTextEdit="1"/>
+          </p:cNvSpPr>
+          <p:nvPr>
+            <p:extLst>
+              <p:ext uri="{386F3935-93C4-4BCD-93E2-E3B085C9AB24}">
+                <p16:designElem xmlns:p16="http://schemas.microsoft.com/office/powerpoint/2015/main" val="1"/>
+              </p:ext>
+            </p:extLst>
+          </p:nvPr>
+        </p:nvSpPr>
+        <p:spPr>
+          <a:xfrm flipH="1">
+            <a:off x="530529" y="1"/>
+            <a:ext cx="1155142" cy="591009"/>
+          </a:xfrm>
+          <a:custGeom>
+            <a:avLst/>
+            <a:gdLst>
+              <a:gd name="connsiteX0" fmla="*/ 1355 w 1155142"/>
+              <a:gd name="connsiteY0" fmla="*/ 0 h 591009"/>
+              <a:gd name="connsiteX1" fmla="*/ 1153787 w 1155142"/>
+              <a:gd name="connsiteY1" fmla="*/ 0 h 591009"/>
+              <a:gd name="connsiteX2" fmla="*/ 1155142 w 1155142"/>
+              <a:gd name="connsiteY2" fmla="*/ 13438 h 591009"/>
+              <a:gd name="connsiteX3" fmla="*/ 577571 w 1155142"/>
+              <a:gd name="connsiteY3" fmla="*/ 591009 h 591009"/>
+              <a:gd name="connsiteX4" fmla="*/ 0 w 1155142"/>
+              <a:gd name="connsiteY4" fmla="*/ 13438 h 591009"/>
+            </a:gdLst>
+            <a:ahLst/>
+            <a:cxnLst>
+              <a:cxn ang="0">
+                <a:pos x="connsiteX0" y="connsiteY0"/>
+              </a:cxn>
+              <a:cxn ang="0">
+                <a:pos x="connsiteX1" y="connsiteY1"/>
+              </a:cxn>
+              <a:cxn ang="0">
+                <a:pos x="connsiteX2" y="connsiteY2"/>
+              </a:cxn>
+              <a:cxn ang="0">
+                <a:pos x="connsiteX3" y="connsiteY3"/>
+              </a:cxn>
+              <a:cxn ang="0">
+                <a:pos x="connsiteX4" y="connsiteY4"/>
+              </a:cxn>
+            </a:cxnLst>
+            <a:rect l="l" t="t" r="r" b="b"/>
+            <a:pathLst>
+              <a:path w="1155142" h="591009">
+                <a:moveTo>
+                  <a:pt x="1355" y="0"/>
+                </a:moveTo>
+                <a:lnTo>
+                  <a:pt x="1153787" y="0"/>
+                </a:lnTo>
+                <a:lnTo>
+                  <a:pt x="1155142" y="13438"/>
+                </a:lnTo>
+                <a:cubicBezTo>
+                  <a:pt x="1155142" y="332422"/>
+                  <a:pt x="896555" y="591009"/>
+                  <a:pt x="577571" y="591009"/>
+                </a:cubicBezTo>
+                <a:cubicBezTo>
+                  <a:pt x="258587" y="591009"/>
+                  <a:pt x="0" y="332422"/>
+                  <a:pt x="0" y="13438"/>
+                </a:cubicBezTo>
+                <a:close/>
+              </a:path>
+            </a:pathLst>
+          </a:custGeom>
+          <a:solidFill>
+            <a:schemeClr val="accent5"/>
+          </a:solidFill>
+          <a:ln>
+            <a:noFill/>
+          </a:ln>
+        </p:spPr>
+        <p:style>
+          <a:lnRef idx="2">
+            <a:schemeClr val="accent1">
+              <a:shade val="50000"/>
+            </a:schemeClr>
+          </a:lnRef>
+          <a:fillRef idx="1">
+            <a:schemeClr val="accent1"/>
+          </a:fillRef>
+          <a:effectRef idx="0">
+            <a:schemeClr val="accent1"/>
+          </a:effectRef>
+          <a:fontRef idx="minor">
+            <a:schemeClr val="lt1"/>
+          </a:fontRef>
+        </p:style>
+        <p:txBody>
+          <a:bodyPr wrap="square" rtlCol="0" anchor="ctr">
+            <a:noAutofit/>
+          </a:bodyPr>
+          <a:lstStyle/>
+          <a:p>
+            <a:pPr algn="ctr"/>
+            <a:endParaRPr lang="en-US"/>
+          </a:p>
+        </p:txBody>
+      </p:sp>
+      <p:sp>
+        <p:nvSpPr>
+          <p:cNvPr id="14" name="Freeform: Shape 13">
+            <a:extLst>
+              <a:ext uri="{FF2B5EF4-FFF2-40B4-BE49-F238E27FC236}">
+                <a16:creationId xmlns:a16="http://schemas.microsoft.com/office/drawing/2014/main" id="{F227E5B6-9132-43CA-B503-37A18562ADF2}"/>
+              </a:ext>
+              <a:ext uri="{C183D7F6-B498-43B3-948B-1728B52AA6E4}">
+                <adec:decorative xmlns:adec="http://schemas.microsoft.com/office/drawing/2017/decorative" val="1"/>
+              </a:ext>
+            </a:extLst>
+          </p:cNvPr>
+          <p:cNvSpPr>
+            <a:spLocks noGrp="1" noRot="1" noChangeAspect="1" noMove="1" noResize="1" noEditPoints="1" noAdjustHandles="1" noChangeArrowheads="1" noChangeShapeType="1" noTextEdit="1"/>
+          </p:cNvSpPr>
+          <p:nvPr>
+            <p:extLst>
+              <p:ext uri="{386F3935-93C4-4BCD-93E2-E3B085C9AB24}">
+                <p16:designElem xmlns:p16="http://schemas.microsoft.com/office/powerpoint/2015/main" val="1"/>
+              </p:ext>
+            </p:extLst>
+          </p:nvPr>
+        </p:nvSpPr>
+        <p:spPr>
+          <a:xfrm flipH="1">
+            <a:off x="4349052" y="0"/>
+            <a:ext cx="1737401" cy="959536"/>
+          </a:xfrm>
+          <a:custGeom>
+            <a:avLst/>
+            <a:gdLst>
+              <a:gd name="connsiteX0" fmla="*/ 0 w 1737401"/>
+              <a:gd name="connsiteY0" fmla="*/ 0 h 959536"/>
+              <a:gd name="connsiteX1" fmla="*/ 123825 w 1737401"/>
+              <a:gd name="connsiteY1" fmla="*/ 0 h 959536"/>
+              <a:gd name="connsiteX2" fmla="*/ 123825 w 1737401"/>
+              <a:gd name="connsiteY2" fmla="*/ 790277 h 959536"/>
+              <a:gd name="connsiteX3" fmla="*/ 1490095 w 1737401"/>
+              <a:gd name="connsiteY3" fmla="*/ 0 h 959536"/>
+              <a:gd name="connsiteX4" fmla="*/ 1737401 w 1737401"/>
+              <a:gd name="connsiteY4" fmla="*/ 0 h 959536"/>
+              <a:gd name="connsiteX5" fmla="*/ 92869 w 1737401"/>
+              <a:gd name="connsiteY5" fmla="*/ 951249 h 959536"/>
+              <a:gd name="connsiteX6" fmla="*/ 61913 w 1737401"/>
+              <a:gd name="connsiteY6" fmla="*/ 959536 h 959536"/>
+              <a:gd name="connsiteX7" fmla="*/ 0 w 1737401"/>
+              <a:gd name="connsiteY7" fmla="*/ 897624 h 959536"/>
+            </a:gdLst>
+            <a:ahLst/>
+            <a:cxnLst>
+              <a:cxn ang="0">
+                <a:pos x="connsiteX0" y="connsiteY0"/>
+              </a:cxn>
+              <a:cxn ang="0">
+                <a:pos x="connsiteX1" y="connsiteY1"/>
+              </a:cxn>
+              <a:cxn ang="0">
+                <a:pos x="connsiteX2" y="connsiteY2"/>
+              </a:cxn>
+              <a:cxn ang="0">
+                <a:pos x="connsiteX3" y="connsiteY3"/>
+              </a:cxn>
+              <a:cxn ang="0">
+                <a:pos x="connsiteX4" y="connsiteY4"/>
+              </a:cxn>
+              <a:cxn ang="0">
+                <a:pos x="connsiteX5" y="connsiteY5"/>
+              </a:cxn>
+              <a:cxn ang="0">
+                <a:pos x="connsiteX6" y="connsiteY6"/>
+              </a:cxn>
+              <a:cxn ang="0">
+                <a:pos x="connsiteX7" y="connsiteY7"/>
+              </a:cxn>
+            </a:cxnLst>
+            <a:rect l="l" t="t" r="r" b="b"/>
+            <a:pathLst>
+              <a:path w="1737401" h="959536">
+                <a:moveTo>
+                  <a:pt x="0" y="0"/>
+                </a:moveTo>
+                <a:lnTo>
+                  <a:pt x="123825" y="0"/>
+                </a:lnTo>
+                <a:lnTo>
+                  <a:pt x="123825" y="790277"/>
+                </a:lnTo>
+                <a:lnTo>
+                  <a:pt x="1490095" y="0"/>
+                </a:lnTo>
+                <a:lnTo>
+                  <a:pt x="1737401" y="0"/>
+                </a:lnTo>
+                <a:lnTo>
+                  <a:pt x="92869" y="951249"/>
+                </a:lnTo>
+                <a:cubicBezTo>
+                  <a:pt x="83458" y="956688"/>
+                  <a:pt x="72780" y="959546"/>
+                  <a:pt x="61913" y="959536"/>
+                </a:cubicBezTo>
+                <a:cubicBezTo>
+                  <a:pt x="27719" y="959536"/>
+                  <a:pt x="0" y="931818"/>
+                  <a:pt x="0" y="897624"/>
+                </a:cubicBezTo>
+                <a:close/>
+              </a:path>
+            </a:pathLst>
+          </a:custGeom>
+          <a:solidFill>
+            <a:schemeClr val="accent6"/>
+          </a:solidFill>
+          <a:ln w="9525" cap="flat">
+            <a:noFill/>
+            <a:prstDash val="solid"/>
+            <a:miter/>
+          </a:ln>
+        </p:spPr>
+        <p:txBody>
+          <a:bodyPr rtlCol="0" anchor="ctr"/>
+          <a:lstStyle/>
+          <a:p>
+            <a:endParaRPr lang="en-US"/>
+          </a:p>
+        </p:txBody>
+      </p:sp>
+      <p:sp>
+        <p:nvSpPr>
+          <p:cNvPr id="16" name="Freeform: Shape 15">
+            <a:extLst>
+              <a:ext uri="{FF2B5EF4-FFF2-40B4-BE49-F238E27FC236}">
+                <a16:creationId xmlns:a16="http://schemas.microsoft.com/office/drawing/2014/main" id="{03C2051E-A88D-48E5-BACF-AAED17892722}"/>
+              </a:ext>
+              <a:ext uri="{C183D7F6-B498-43B3-948B-1728B52AA6E4}">
+                <adec:decorative xmlns:adec="http://schemas.microsoft.com/office/drawing/2017/decorative" val="1"/>
+              </a:ext>
+            </a:extLst>
+          </p:cNvPr>
+          <p:cNvSpPr>
+            <a:spLocks noGrp="1" noRot="1" noChangeAspect="1" noMove="1" noResize="1" noEditPoints="1" noAdjustHandles="1" noChangeArrowheads="1" noChangeShapeType="1" noTextEdit="1"/>
+          </p:cNvSpPr>
+          <p:nvPr>
+            <p:extLst>
+              <p:ext uri="{386F3935-93C4-4BCD-93E2-E3B085C9AB24}">
+                <p16:designElem xmlns:p16="http://schemas.microsoft.com/office/powerpoint/2015/main" val="1"/>
+              </p:ext>
+            </p:extLst>
+          </p:nvPr>
+        </p:nvSpPr>
+        <p:spPr>
+          <a:xfrm flipH="1">
+            <a:off x="0" y="2916245"/>
+            <a:ext cx="159741" cy="552996"/>
+          </a:xfrm>
+          <a:custGeom>
+            <a:avLst/>
+            <a:gdLst>
+              <a:gd name="connsiteX0" fmla="*/ 159741 w 159741"/>
+              <a:gd name="connsiteY0" fmla="*/ 0 h 552996"/>
+              <a:gd name="connsiteX1" fmla="*/ 159741 w 159741"/>
+              <a:gd name="connsiteY1" fmla="*/ 552996 h 552996"/>
+              <a:gd name="connsiteX2" fmla="*/ 141849 w 159741"/>
+              <a:gd name="connsiteY2" fmla="*/ 543285 h 552996"/>
+              <a:gd name="connsiteX3" fmla="*/ 0 w 159741"/>
+              <a:gd name="connsiteY3" fmla="*/ 276498 h 552996"/>
+              <a:gd name="connsiteX4" fmla="*/ 141849 w 159741"/>
+              <a:gd name="connsiteY4" fmla="*/ 9711 h 552996"/>
+            </a:gdLst>
+            <a:ahLst/>
+            <a:cxnLst>
+              <a:cxn ang="0">
+                <a:pos x="connsiteX0" y="connsiteY0"/>
+              </a:cxn>
+              <a:cxn ang="0">
+                <a:pos x="connsiteX1" y="connsiteY1"/>
+              </a:cxn>
+              <a:cxn ang="0">
+                <a:pos x="connsiteX2" y="connsiteY2"/>
+              </a:cxn>
+              <a:cxn ang="0">
+                <a:pos x="connsiteX3" y="connsiteY3"/>
+              </a:cxn>
+              <a:cxn ang="0">
+                <a:pos x="connsiteX4" y="connsiteY4"/>
+              </a:cxn>
+            </a:cxnLst>
+            <a:rect l="l" t="t" r="r" b="b"/>
+            <a:pathLst>
+              <a:path w="159741" h="552996">
+                <a:moveTo>
+                  <a:pt x="159741" y="0"/>
+                </a:moveTo>
+                <a:lnTo>
+                  <a:pt x="159741" y="552996"/>
+                </a:lnTo>
+                <a:lnTo>
+                  <a:pt x="141849" y="543285"/>
+                </a:lnTo>
+                <a:cubicBezTo>
+                  <a:pt x="56268" y="485467"/>
+                  <a:pt x="0" y="387554"/>
+                  <a:pt x="0" y="276498"/>
+                </a:cubicBezTo>
+                <a:cubicBezTo>
+                  <a:pt x="0" y="165443"/>
+                  <a:pt x="56268" y="67529"/>
+                  <a:pt x="141849" y="9711"/>
+                </a:cubicBezTo>
+                <a:close/>
+              </a:path>
+            </a:pathLst>
+          </a:custGeom>
+          <a:solidFill>
+            <a:schemeClr val="accent2"/>
+          </a:solidFill>
+          <a:ln w="127000">
+            <a:noFill/>
+          </a:ln>
+        </p:spPr>
+        <p:style>
+          <a:lnRef idx="2">
+            <a:schemeClr val="accent1">
+              <a:shade val="50000"/>
+            </a:schemeClr>
+          </a:lnRef>
+          <a:fillRef idx="1">
+            <a:schemeClr val="accent1"/>
+          </a:fillRef>
+          <a:effectRef idx="0">
+            <a:schemeClr val="accent1"/>
+          </a:effectRef>
+          <a:fontRef idx="minor">
+            <a:schemeClr val="lt1"/>
+          </a:fontRef>
+        </p:style>
+        <p:txBody>
+          <a:bodyPr wrap="square" rtlCol="0" anchor="ctr">
+            <a:noAutofit/>
+          </a:bodyPr>
+          <a:lstStyle/>
+          <a:p>
+            <a:pPr algn="ctr"/>
+            <a:endParaRPr lang="en-US"/>
+          </a:p>
+        </p:txBody>
+      </p:sp>
+      <p:sp>
+        <p:nvSpPr>
+          <p:cNvPr id="18" name="Freeform: Shape 17">
+            <a:extLst>
+              <a:ext uri="{FF2B5EF4-FFF2-40B4-BE49-F238E27FC236}">
+                <a16:creationId xmlns:a16="http://schemas.microsoft.com/office/drawing/2014/main" id="{7821A508-2985-4905-874A-527429BAABFA}"/>
+              </a:ext>
+              <a:ext uri="{C183D7F6-B498-43B3-948B-1728B52AA6E4}">
+                <adec:decorative xmlns:adec="http://schemas.microsoft.com/office/drawing/2017/decorative" val="1"/>
+              </a:ext>
+            </a:extLst>
+          </p:cNvPr>
+          <p:cNvSpPr>
+            <a:spLocks noGrp="1" noRot="1" noChangeAspect="1" noMove="1" noResize="1" noEditPoints="1" noAdjustHandles="1" noChangeArrowheads="1" noChangeShapeType="1" noTextEdit="1"/>
+          </p:cNvSpPr>
+          <p:nvPr>
+            <p:extLst>
+              <p:ext uri="{386F3935-93C4-4BCD-93E2-E3B085C9AB24}">
+                <p16:designElem xmlns:p16="http://schemas.microsoft.com/office/powerpoint/2015/main" val="1"/>
+              </p:ext>
+            </p:extLst>
+          </p:nvPr>
+        </p:nvSpPr>
+        <p:spPr>
+          <a:xfrm flipH="1">
+            <a:off x="0" y="5835649"/>
+            <a:ext cx="1548180" cy="1022351"/>
+          </a:xfrm>
+          <a:custGeom>
+            <a:avLst/>
+            <a:gdLst>
+              <a:gd name="connsiteX0" fmla="*/ 61913 w 1548180"/>
+              <a:gd name="connsiteY0" fmla="*/ 0 h 1022351"/>
+              <a:gd name="connsiteX1" fmla="*/ 1548180 w 1548180"/>
+              <a:gd name="connsiteY1" fmla="*/ 0 h 1022351"/>
+              <a:gd name="connsiteX2" fmla="*/ 1548180 w 1548180"/>
+              <a:gd name="connsiteY2" fmla="*/ 123825 h 1022351"/>
+              <a:gd name="connsiteX3" fmla="*/ 123825 w 1548180"/>
+              <a:gd name="connsiteY3" fmla="*/ 123825 h 1022351"/>
+              <a:gd name="connsiteX4" fmla="*/ 123825 w 1548180"/>
+              <a:gd name="connsiteY4" fmla="*/ 1022351 h 1022351"/>
+              <a:gd name="connsiteX5" fmla="*/ 0 w 1548180"/>
+              <a:gd name="connsiteY5" fmla="*/ 1022351 h 1022351"/>
+              <a:gd name="connsiteX6" fmla="*/ 0 w 1548180"/>
+              <a:gd name="connsiteY6" fmla="*/ 61913 h 1022351"/>
+              <a:gd name="connsiteX7" fmla="*/ 61913 w 1548180"/>
+              <a:gd name="connsiteY7" fmla="*/ 0 h 1022351"/>
+            </a:gdLst>
+            <a:ahLst/>
+            <a:cxnLst>
+              <a:cxn ang="0">
+                <a:pos x="connsiteX0" y="connsiteY0"/>
+              </a:cxn>
+              <a:cxn ang="0">
+                <a:pos x="connsiteX1" y="connsiteY1"/>
+              </a:cxn>
+              <a:cxn ang="0">
+                <a:pos x="connsiteX2" y="connsiteY2"/>
+              </a:cxn>
+              <a:cxn ang="0">
+                <a:pos x="connsiteX3" y="connsiteY3"/>
+              </a:cxn>
+              <a:cxn ang="0">
+                <a:pos x="connsiteX4" y="connsiteY4"/>
+              </a:cxn>
+              <a:cxn ang="0">
+                <a:pos x="connsiteX5" y="connsiteY5"/>
+              </a:cxn>
+              <a:cxn ang="0">
+                <a:pos x="connsiteX6" y="connsiteY6"/>
+              </a:cxn>
+              <a:cxn ang="0">
+                <a:pos x="connsiteX7" y="connsiteY7"/>
+              </a:cxn>
+            </a:cxnLst>
+            <a:rect l="l" t="t" r="r" b="b"/>
+            <a:pathLst>
+              <a:path w="1548180" h="1022351">
+                <a:moveTo>
+                  <a:pt x="61913" y="0"/>
+                </a:moveTo>
+                <a:lnTo>
+                  <a:pt x="1548180" y="0"/>
+                </a:lnTo>
+                <a:lnTo>
+                  <a:pt x="1548180" y="123825"/>
+                </a:lnTo>
+                <a:lnTo>
+                  <a:pt x="123825" y="123825"/>
+                </a:lnTo>
+                <a:lnTo>
+                  <a:pt x="123825" y="1022351"/>
+                </a:lnTo>
+                <a:lnTo>
+                  <a:pt x="0" y="1022351"/>
+                </a:lnTo>
+                <a:lnTo>
+                  <a:pt x="0" y="61913"/>
+                </a:lnTo>
+                <a:cubicBezTo>
+                  <a:pt x="0" y="27719"/>
+                  <a:pt x="27719" y="0"/>
+                  <a:pt x="61913" y="0"/>
+                </a:cubicBezTo>
+                <a:close/>
+              </a:path>
+            </a:pathLst>
+          </a:custGeom>
+          <a:solidFill>
+            <a:schemeClr val="accent6"/>
+          </a:solidFill>
+          <a:ln w="9525" cap="flat">
+            <a:noFill/>
+            <a:prstDash val="solid"/>
+            <a:miter/>
+          </a:ln>
+        </p:spPr>
+        <p:txBody>
+          <a:bodyPr rtlCol="0" anchor="ctr"/>
+          <a:lstStyle/>
+          <a:p>
+            <a:endParaRPr lang="en-US"/>
+          </a:p>
+        </p:txBody>
+      </p:sp>
+      <p:sp>
+        <p:nvSpPr>
+          <p:cNvPr id="20" name="Freeform: Shape 19">
+            <a:extLst>
+              <a:ext uri="{FF2B5EF4-FFF2-40B4-BE49-F238E27FC236}">
+                <a16:creationId xmlns:a16="http://schemas.microsoft.com/office/drawing/2014/main" id="{D2929CB1-0E3C-4B2D-ADC5-0154FB33BA44}"/>
+              </a:ext>
+              <a:ext uri="{C183D7F6-B498-43B3-948B-1728B52AA6E4}">
+                <adec:decorative xmlns:adec="http://schemas.microsoft.com/office/drawing/2017/decorative" val="1"/>
+              </a:ext>
+            </a:extLst>
+          </p:cNvPr>
+          <p:cNvSpPr>
+            <a:spLocks noGrp="1" noRot="1" noChangeAspect="1" noMove="1" noResize="1" noEditPoints="1" noAdjustHandles="1" noChangeArrowheads="1" noChangeShapeType="1" noTextEdit="1"/>
+          </p:cNvSpPr>
+          <p:nvPr>
+            <p:extLst>
+              <p:ext uri="{386F3935-93C4-4BCD-93E2-E3B085C9AB24}">
+                <p16:designElem xmlns:p16="http://schemas.microsoft.com/office/powerpoint/2015/main" val="1"/>
+              </p:ext>
+            </p:extLst>
+          </p:nvPr>
+        </p:nvSpPr>
+        <p:spPr>
+          <a:xfrm flipH="1">
+            <a:off x="3697761" y="5717906"/>
+            <a:ext cx="1771609" cy="1140095"/>
+          </a:xfrm>
+          <a:custGeom>
+            <a:avLst/>
+            <a:gdLst>
+              <a:gd name="connsiteX0" fmla="*/ 1561721 w 1771609"/>
+              <a:gd name="connsiteY0" fmla="*/ 763041 h 1140095"/>
+              <a:gd name="connsiteX1" fmla="*/ 1623024 w 1771609"/>
+              <a:gd name="connsiteY1" fmla="*/ 792810 h 1140095"/>
+              <a:gd name="connsiteX2" fmla="*/ 1711735 w 1771609"/>
+              <a:gd name="connsiteY2" fmla="*/ 970132 h 1140095"/>
+              <a:gd name="connsiteX3" fmla="*/ 1771609 w 1771609"/>
+              <a:gd name="connsiteY3" fmla="*/ 1140095 h 1140095"/>
+              <a:gd name="connsiteX4" fmla="*/ 1637225 w 1771609"/>
+              <a:gd name="connsiteY4" fmla="*/ 1140095 h 1140095"/>
+              <a:gd name="connsiteX5" fmla="*/ 1594820 w 1771609"/>
+              <a:gd name="connsiteY5" fmla="*/ 1019711 h 1140095"/>
+              <a:gd name="connsiteX6" fmla="*/ 1513200 w 1771609"/>
+              <a:gd name="connsiteY6" fmla="*/ 856627 h 1140095"/>
+              <a:gd name="connsiteX7" fmla="*/ 1538499 w 1771609"/>
+              <a:gd name="connsiteY7" fmla="*/ 770415 h 1140095"/>
+              <a:gd name="connsiteX8" fmla="*/ 1561721 w 1771609"/>
+              <a:gd name="connsiteY8" fmla="*/ 763041 h 1140095"/>
+              <a:gd name="connsiteX9" fmla="*/ 933455 w 1771609"/>
+              <a:gd name="connsiteY9" fmla="*/ 161309 h 1140095"/>
+              <a:gd name="connsiteX10" fmla="*/ 957797 w 1771609"/>
+              <a:gd name="connsiteY10" fmla="*/ 167970 h 1140095"/>
+              <a:gd name="connsiteX11" fmla="*/ 1286982 w 1771609"/>
+              <a:gd name="connsiteY11" fmla="*/ 387616 h 1140095"/>
+              <a:gd name="connsiteX12" fmla="*/ 1293725 w 1771609"/>
+              <a:gd name="connsiteY12" fmla="*/ 477075 h 1140095"/>
+              <a:gd name="connsiteX13" fmla="*/ 1245453 w 1771609"/>
+              <a:gd name="connsiteY13" fmla="*/ 499154 h 1140095"/>
+              <a:gd name="connsiteX14" fmla="*/ 1245167 w 1771609"/>
+              <a:gd name="connsiteY14" fmla="*/ 499154 h 1140095"/>
+              <a:gd name="connsiteX15" fmla="*/ 1203638 w 1771609"/>
+              <a:gd name="connsiteY15" fmla="*/ 484104 h 1140095"/>
+              <a:gd name="connsiteX16" fmla="*/ 900647 w 1771609"/>
+              <a:gd name="connsiteY16" fmla="*/ 281508 h 1140095"/>
+              <a:gd name="connsiteX17" fmla="*/ 872454 w 1771609"/>
+              <a:gd name="connsiteY17" fmla="*/ 196164 h 1140095"/>
+              <a:gd name="connsiteX18" fmla="*/ 933455 w 1771609"/>
+              <a:gd name="connsiteY18" fmla="*/ 161309 h 1140095"/>
+              <a:gd name="connsiteX19" fmla="*/ 256260 w 1771609"/>
+              <a:gd name="connsiteY19" fmla="*/ 29 h 1140095"/>
+              <a:gd name="connsiteX20" fmla="*/ 454020 w 1771609"/>
+              <a:gd name="connsiteY20" fmla="*/ 13474 h 1140095"/>
+              <a:gd name="connsiteX21" fmla="*/ 509236 w 1771609"/>
+              <a:gd name="connsiteY21" fmla="*/ 84182 h 1140095"/>
+              <a:gd name="connsiteX22" fmla="*/ 445829 w 1771609"/>
+              <a:gd name="connsiteY22" fmla="*/ 139871 h 1140095"/>
+              <a:gd name="connsiteX23" fmla="*/ 437447 w 1771609"/>
+              <a:gd name="connsiteY23" fmla="*/ 139395 h 1140095"/>
+              <a:gd name="connsiteX24" fmla="*/ 73211 w 1771609"/>
+              <a:gd name="connsiteY24" fmla="*/ 137204 h 1140095"/>
+              <a:gd name="connsiteX25" fmla="*/ 749 w 1771609"/>
+              <a:gd name="connsiteY25" fmla="*/ 84082 h 1140095"/>
+              <a:gd name="connsiteX26" fmla="*/ 53871 w 1771609"/>
+              <a:gd name="connsiteY26" fmla="*/ 11621 h 1140095"/>
+              <a:gd name="connsiteX27" fmla="*/ 58352 w 1771609"/>
+              <a:gd name="connsiteY27" fmla="*/ 11093 h 1140095"/>
+              <a:gd name="connsiteX28" fmla="*/ 256260 w 1771609"/>
+              <a:gd name="connsiteY28" fmla="*/ 29 h 1140095"/>
+            </a:gdLst>
+            <a:ahLst/>
+            <a:cxnLst>
+              <a:cxn ang="0">
+                <a:pos x="connsiteX0" y="connsiteY0"/>
+              </a:cxn>
+              <a:cxn ang="0">
+                <a:pos x="connsiteX1" y="connsiteY1"/>
+              </a:cxn>
+              <a:cxn ang="0">
+                <a:pos x="connsiteX2" y="connsiteY2"/>
+              </a:cxn>
+              <a:cxn ang="0">
+                <a:pos x="connsiteX3" y="connsiteY3"/>
+              </a:cxn>
+              <a:cxn ang="0">
+                <a:pos x="connsiteX4" y="connsiteY4"/>
+              </a:cxn>
+              <a:cxn ang="0">
+                <a:pos x="connsiteX5" y="connsiteY5"/>
+              </a:cxn>
+              <a:cxn ang="0">
+                <a:pos x="connsiteX6" y="connsiteY6"/>
+              </a:cxn>
+              <a:cxn ang="0">
+                <a:pos x="connsiteX7" y="connsiteY7"/>
+              </a:cxn>
+              <a:cxn ang="0">
+                <a:pos x="connsiteX8" y="connsiteY8"/>
+              </a:cxn>
+              <a:cxn ang="0">
+                <a:pos x="connsiteX9" y="connsiteY9"/>
+              </a:cxn>
+              <a:cxn ang="0">
+                <a:pos x="connsiteX10" y="connsiteY10"/>
+              </a:cxn>
+              <a:cxn ang="0">
+                <a:pos x="connsiteX11" y="connsiteY11"/>
+              </a:cxn>
+              <a:cxn ang="0">
+                <a:pos x="connsiteX12" y="connsiteY12"/>
+              </a:cxn>
+              <a:cxn ang="0">
+                <a:pos x="connsiteX13" y="connsiteY13"/>
+              </a:cxn>
+              <a:cxn ang="0">
+                <a:pos x="connsiteX14" y="connsiteY14"/>
+              </a:cxn>
+              <a:cxn ang="0">
+                <a:pos x="connsiteX15" y="connsiteY15"/>
+              </a:cxn>
+              <a:cxn ang="0">
+                <a:pos x="connsiteX16" y="connsiteY16"/>
+              </a:cxn>
+              <a:cxn ang="0">
+                <a:pos x="connsiteX17" y="connsiteY17"/>
+              </a:cxn>
+              <a:cxn ang="0">
+                <a:pos x="connsiteX18" y="connsiteY18"/>
+              </a:cxn>
+              <a:cxn ang="0">
+                <a:pos x="connsiteX19" y="connsiteY19"/>
+              </a:cxn>
+              <a:cxn ang="0">
+                <a:pos x="connsiteX20" y="connsiteY20"/>
+              </a:cxn>
+              <a:cxn ang="0">
+                <a:pos x="connsiteX21" y="connsiteY21"/>
+              </a:cxn>
+              <a:cxn ang="0">
+                <a:pos x="connsiteX22" y="connsiteY22"/>
+              </a:cxn>
+              <a:cxn ang="0">
+                <a:pos x="connsiteX23" y="connsiteY23"/>
+              </a:cxn>
+              <a:cxn ang="0">
+                <a:pos x="connsiteX24" y="connsiteY24"/>
+              </a:cxn>
+              <a:cxn ang="0">
+                <a:pos x="connsiteX25" y="connsiteY25"/>
+              </a:cxn>
+              <a:cxn ang="0">
+                <a:pos x="connsiteX26" y="connsiteY26"/>
+              </a:cxn>
+              <a:cxn ang="0">
+                <a:pos x="connsiteX27" y="connsiteY27"/>
+              </a:cxn>
+              <a:cxn ang="0">
+                <a:pos x="connsiteX28" y="connsiteY28"/>
+              </a:cxn>
+            </a:cxnLst>
+            <a:rect l="l" t="t" r="r" b="b"/>
+            <a:pathLst>
+              <a:path w="1771609" h="1140095">
+                <a:moveTo>
+                  <a:pt x="1561721" y="763041"/>
+                </a:moveTo>
+                <a:cubicBezTo>
+                  <a:pt x="1585506" y="760324"/>
+                  <a:pt x="1609722" y="771249"/>
+                  <a:pt x="1623024" y="792810"/>
+                </a:cubicBezTo>
+                <a:cubicBezTo>
+                  <a:pt x="1656300" y="850065"/>
+                  <a:pt x="1685920" y="909291"/>
+                  <a:pt x="1711735" y="970132"/>
+                </a:cubicBezTo>
+                <a:lnTo>
+                  <a:pt x="1771609" y="1140095"/>
+                </a:lnTo>
+                <a:lnTo>
+                  <a:pt x="1637225" y="1140095"/>
+                </a:lnTo>
+                <a:lnTo>
+                  <a:pt x="1594820" y="1019711"/>
+                </a:lnTo>
+                <a:cubicBezTo>
+                  <a:pt x="1571072" y="963753"/>
+                  <a:pt x="1543818" y="909282"/>
+                  <a:pt x="1513200" y="856627"/>
+                </a:cubicBezTo>
+                <a:cubicBezTo>
+                  <a:pt x="1496379" y="825834"/>
+                  <a:pt x="1507704" y="787236"/>
+                  <a:pt x="1538499" y="770415"/>
+                </a:cubicBezTo>
+                <a:cubicBezTo>
+                  <a:pt x="1545912" y="766367"/>
+                  <a:pt x="1553792" y="763946"/>
+                  <a:pt x="1561721" y="763041"/>
+                </a:cubicBezTo>
+                <a:close/>
+                <a:moveTo>
+                  <a:pt x="933455" y="161309"/>
+                </a:moveTo>
+                <a:cubicBezTo>
+                  <a:pt x="941693" y="161855"/>
+                  <a:pt x="949959" y="164025"/>
+                  <a:pt x="957797" y="167970"/>
+                </a:cubicBezTo>
+                <a:cubicBezTo>
+                  <a:pt x="1076184" y="227289"/>
+                  <a:pt x="1186759" y="301068"/>
+                  <a:pt x="1286982" y="387616"/>
+                </a:cubicBezTo>
+                <a:cubicBezTo>
+                  <a:pt x="1313547" y="410457"/>
+                  <a:pt x="1316566" y="450510"/>
+                  <a:pt x="1293725" y="477075"/>
+                </a:cubicBezTo>
+                <a:cubicBezTo>
+                  <a:pt x="1281638" y="491137"/>
+                  <a:pt x="1263998" y="499204"/>
+                  <a:pt x="1245453" y="499154"/>
+                </a:cubicBezTo>
+                <a:lnTo>
+                  <a:pt x="1245167" y="499154"/>
+                </a:lnTo>
+                <a:cubicBezTo>
+                  <a:pt x="1229965" y="499301"/>
+                  <a:pt x="1215220" y="493956"/>
+                  <a:pt x="1203638" y="484104"/>
+                </a:cubicBezTo>
+                <a:cubicBezTo>
+                  <a:pt x="1111407" y="404300"/>
+                  <a:pt x="1009633" y="336248"/>
+                  <a:pt x="900647" y="281508"/>
+                </a:cubicBezTo>
+                <a:cubicBezTo>
+                  <a:pt x="869295" y="265726"/>
+                  <a:pt x="856672" y="227516"/>
+                  <a:pt x="872454" y="196164"/>
+                </a:cubicBezTo>
+                <a:cubicBezTo>
+                  <a:pt x="884290" y="172650"/>
+                  <a:pt x="908742" y="159670"/>
+                  <a:pt x="933455" y="161309"/>
+                </a:cubicBezTo>
+                <a:close/>
+                <a:moveTo>
+                  <a:pt x="256260" y="29"/>
+                </a:moveTo>
+                <a:cubicBezTo>
+                  <a:pt x="322331" y="427"/>
+                  <a:pt x="388378" y="4909"/>
+                  <a:pt x="454020" y="13474"/>
+                </a:cubicBezTo>
+                <a:cubicBezTo>
+                  <a:pt x="488793" y="17752"/>
+                  <a:pt x="513514" y="49409"/>
+                  <a:pt x="509236" y="84182"/>
+                </a:cubicBezTo>
+                <a:cubicBezTo>
+                  <a:pt x="505303" y="116151"/>
+                  <a:pt x="478038" y="140098"/>
+                  <a:pt x="445829" y="139871"/>
+                </a:cubicBezTo>
+                <a:cubicBezTo>
+                  <a:pt x="443027" y="139899"/>
+                  <a:pt x="440227" y="139740"/>
+                  <a:pt x="437447" y="139395"/>
+                </a:cubicBezTo>
+                <a:cubicBezTo>
+                  <a:pt x="316592" y="123615"/>
+                  <a:pt x="194247" y="122878"/>
+                  <a:pt x="73211" y="137204"/>
+                </a:cubicBezTo>
+                <a:cubicBezTo>
+                  <a:pt x="38532" y="142545"/>
+                  <a:pt x="6090" y="118762"/>
+                  <a:pt x="749" y="84082"/>
+                </a:cubicBezTo>
+                <a:cubicBezTo>
+                  <a:pt x="-4591" y="49403"/>
+                  <a:pt x="19192" y="16961"/>
+                  <a:pt x="53871" y="11621"/>
+                </a:cubicBezTo>
+                <a:cubicBezTo>
+                  <a:pt x="55358" y="11392"/>
+                  <a:pt x="56852" y="11216"/>
+                  <a:pt x="58352" y="11093"/>
+                </a:cubicBezTo>
+                <a:cubicBezTo>
+                  <a:pt x="124093" y="3319"/>
+                  <a:pt x="190189" y="-369"/>
+                  <a:pt x="256260" y="29"/>
+                </a:cubicBezTo>
+                <a:close/>
+              </a:path>
+            </a:pathLst>
+          </a:custGeom>
+          <a:solidFill>
+            <a:schemeClr val="accent4"/>
+          </a:solidFill>
+          <a:ln w="9525" cap="flat">
+            <a:noFill/>
+            <a:prstDash val="solid"/>
+            <a:miter/>
+          </a:ln>
+        </p:spPr>
+        <p:txBody>
+          <a:bodyPr rtlCol="0" anchor="ctr"/>
+          <a:lstStyle/>
+          <a:p>
+            <a:endParaRPr lang="en-US"/>
+          </a:p>
+        </p:txBody>
+      </p:sp>
+      <p:pic>
+        <p:nvPicPr>
+          <p:cNvPr id="5" name="Picture 4">
+            <a:extLst>
+              <a:ext uri="{FF2B5EF4-FFF2-40B4-BE49-F238E27FC236}">
+                <a16:creationId xmlns:a16="http://schemas.microsoft.com/office/drawing/2014/main" id="{2638277E-7BEA-F455-AB2C-4A5B82F5D9C4}"/>
+              </a:ext>
+            </a:extLst>
+          </p:cNvPr>
+          <p:cNvPicPr>
+            <a:picLocks noChangeAspect="1"/>
+          </p:cNvPicPr>
+          <p:nvPr/>
+        </p:nvPicPr>
+        <p:blipFill rotWithShape="1">
+          <a:blip r:embed="rId2"/>
+          <a:srcRect t="4781" r="-2" b="10169"/>
+          <a:stretch/>
+        </p:blipFill>
+        <p:spPr>
+          <a:xfrm>
+            <a:off x="6550102" y="959536"/>
+            <a:ext cx="5178249" cy="4750660"/>
+          </a:xfrm>
+          <a:custGeom>
+            <a:avLst/>
+            <a:gdLst/>
+            <a:ahLst/>
+            <a:cxnLst/>
+            <a:rect l="l" t="t" r="r" b="b"/>
+            <a:pathLst>
+              <a:path w="3741748" h="3741748">
+                <a:moveTo>
+                  <a:pt x="1870874" y="0"/>
+                </a:moveTo>
+                <a:cubicBezTo>
+                  <a:pt x="2904129" y="0"/>
+                  <a:pt x="3741748" y="837619"/>
+                  <a:pt x="3741748" y="1870874"/>
+                </a:cubicBezTo>
+                <a:cubicBezTo>
+                  <a:pt x="3741748" y="2904129"/>
+                  <a:pt x="2904129" y="3741748"/>
+                  <a:pt x="1870874" y="3741748"/>
+                </a:cubicBezTo>
+                <a:cubicBezTo>
+                  <a:pt x="837619" y="3741748"/>
+                  <a:pt x="0" y="2904129"/>
+                  <a:pt x="0" y="1870874"/>
+                </a:cubicBezTo>
+                <a:cubicBezTo>
+                  <a:pt x="0" y="837619"/>
+                  <a:pt x="837619" y="0"/>
+                  <a:pt x="1870874" y="0"/>
+                </a:cubicBezTo>
+                <a:close/>
+              </a:path>
+            </a:pathLst>
+          </a:custGeom>
+        </p:spPr>
+      </p:pic>
+      <p:sp>
+        <p:nvSpPr>
+          <p:cNvPr id="22" name="Freeform: Shape 21">
+            <a:extLst>
+              <a:ext uri="{FF2B5EF4-FFF2-40B4-BE49-F238E27FC236}">
+                <a16:creationId xmlns:a16="http://schemas.microsoft.com/office/drawing/2014/main" id="{5F2F0C84-BE8C-4DC2-A6D3-30349A801D5C}"/>
+              </a:ext>
+              <a:ext uri="{C183D7F6-B498-43B3-948B-1728B52AA6E4}">
+                <adec:decorative xmlns:adec="http://schemas.microsoft.com/office/drawing/2017/decorative" val="1"/>
+              </a:ext>
+            </a:extLst>
+          </p:cNvPr>
+          <p:cNvSpPr>
+            <a:spLocks noGrp="1" noRot="1" noChangeAspect="1" noMove="1" noResize="1" noEditPoints="1" noAdjustHandles="1" noChangeArrowheads="1" noChangeShapeType="1" noTextEdit="1"/>
+          </p:cNvSpPr>
+          <p:nvPr>
+            <p:extLst>
+              <p:ext uri="{386F3935-93C4-4BCD-93E2-E3B085C9AB24}">
+                <p16:designElem xmlns:p16="http://schemas.microsoft.com/office/powerpoint/2015/main" val="1"/>
+              </p:ext>
+            </p:extLst>
+          </p:nvPr>
+        </p:nvSpPr>
+        <p:spPr>
+          <a:xfrm flipH="1">
+            <a:off x="4520513" y="6258756"/>
+            <a:ext cx="1565940" cy="599245"/>
+          </a:xfrm>
+          <a:custGeom>
+            <a:avLst/>
+            <a:gdLst>
+              <a:gd name="connsiteX0" fmla="*/ 782970 w 1565940"/>
+              <a:gd name="connsiteY0" fmla="*/ 0 h 599245"/>
+              <a:gd name="connsiteX1" fmla="*/ 1528042 w 1565940"/>
+              <a:gd name="connsiteY1" fmla="*/ 480469 h 599245"/>
+              <a:gd name="connsiteX2" fmla="*/ 1565940 w 1565940"/>
+              <a:gd name="connsiteY2" fmla="*/ 599245 h 599245"/>
+              <a:gd name="connsiteX3" fmla="*/ 0 w 1565940"/>
+              <a:gd name="connsiteY3" fmla="*/ 599245 h 599245"/>
+              <a:gd name="connsiteX4" fmla="*/ 37898 w 1565940"/>
+              <a:gd name="connsiteY4" fmla="*/ 480469 h 599245"/>
+              <a:gd name="connsiteX5" fmla="*/ 782970 w 1565940"/>
+              <a:gd name="connsiteY5" fmla="*/ 0 h 599245"/>
+            </a:gdLst>
+            <a:ahLst/>
+            <a:cxnLst>
+              <a:cxn ang="0">
+                <a:pos x="connsiteX0" y="connsiteY0"/>
+              </a:cxn>
+              <a:cxn ang="0">
+                <a:pos x="connsiteX1" y="connsiteY1"/>
+              </a:cxn>
+              <a:cxn ang="0">
+                <a:pos x="connsiteX2" y="connsiteY2"/>
+              </a:cxn>
+              <a:cxn ang="0">
+                <a:pos x="connsiteX3" y="connsiteY3"/>
+              </a:cxn>
+              <a:cxn ang="0">
+                <a:pos x="connsiteX4" y="connsiteY4"/>
+              </a:cxn>
+              <a:cxn ang="0">
+                <a:pos x="connsiteX5" y="connsiteY5"/>
+              </a:cxn>
+            </a:cxnLst>
+            <a:rect l="l" t="t" r="r" b="b"/>
+            <a:pathLst>
+              <a:path w="1565940" h="599245">
+                <a:moveTo>
+                  <a:pt x="782970" y="0"/>
+                </a:moveTo>
+                <a:cubicBezTo>
+                  <a:pt x="1117910" y="0"/>
+                  <a:pt x="1405287" y="198118"/>
+                  <a:pt x="1528042" y="480469"/>
+                </a:cubicBezTo>
+                <a:lnTo>
+                  <a:pt x="1565940" y="599245"/>
+                </a:lnTo>
+                <a:lnTo>
+                  <a:pt x="0" y="599245"/>
+                </a:lnTo>
+                <a:lnTo>
+                  <a:pt x="37898" y="480469"/>
+                </a:lnTo>
+                <a:cubicBezTo>
+                  <a:pt x="160653" y="198118"/>
+                  <a:pt x="448030" y="0"/>
+                  <a:pt x="782970" y="0"/>
+                </a:cubicBezTo>
+                <a:close/>
+              </a:path>
+            </a:pathLst>
+          </a:custGeom>
+          <a:solidFill>
+            <a:schemeClr val="accent2"/>
+          </a:solidFill>
+          <a:ln>
+            <a:noFill/>
+          </a:ln>
+        </p:spPr>
+        <p:style>
+          <a:lnRef idx="2">
+            <a:schemeClr val="accent1">
+              <a:shade val="50000"/>
+            </a:schemeClr>
+          </a:lnRef>
+          <a:fillRef idx="1">
+            <a:schemeClr val="accent1"/>
+          </a:fillRef>
+          <a:effectRef idx="0">
+            <a:schemeClr val="accent1"/>
+          </a:effectRef>
+          <a:fontRef idx="minor">
+            <a:schemeClr val="lt1"/>
+          </a:fontRef>
+        </p:style>
+        <p:txBody>
+          <a:bodyPr wrap="square" rtlCol="0" anchor="ctr">
+            <a:noAutofit/>
+          </a:bodyPr>
+          <a:lstStyle/>
+          <a:p>
+            <a:pPr algn="ctr"/>
+            <a:endParaRPr lang="en-US" dirty="0"/>
+          </a:p>
+        </p:txBody>
+      </p:sp>
+    </p:spTree>
+    <p:extLst>
+      <p:ext uri="{BB962C8B-B14F-4D97-AF65-F5344CB8AC3E}">
+        <p14:creationId xmlns:p14="http://schemas.microsoft.com/office/powerpoint/2010/main" val="1891230214"/>
+      </p:ext>
+    </p:extLst>
+  </p:cSld>
+  <p:clrMapOvr>
+    <a:masterClrMapping/>
+  </p:clrMapOvr>
+</p:sld>
+</file>
+
 <file path=ppt/slides/slide2.xml><?xml version="1.0" encoding="utf-8"?>
 <p:sld xmlns:a="http://schemas.openxmlformats.org/drawingml/2006/main" xmlns:r="http://schemas.openxmlformats.org/officeDocument/2006/relationships" xmlns:p="http://schemas.openxmlformats.org/presentationml/2006/main">
   <p:cSld>
@@ -4533,6 +6366,60 @@
           <a:chExt cx="0" cy="0"/>
         </a:xfrm>
       </p:grpSpPr>
+      <p:pic>
+        <p:nvPicPr>
+          <p:cNvPr id="1026" name="Picture 2" descr="Track paw prints icon in flat style footprints animals dog or cat icon symbol">
+            <a:extLst>
+              <a:ext uri="{FF2B5EF4-FFF2-40B4-BE49-F238E27FC236}">
+                <a16:creationId xmlns:a16="http://schemas.microsoft.com/office/drawing/2014/main" id="{F6381752-B230-0787-8066-94A855BF7ED1}"/>
+              </a:ext>
+            </a:extLst>
+          </p:cNvPr>
+          <p:cNvPicPr>
+            <a:picLocks noChangeAspect="1" noChangeArrowheads="1"/>
+          </p:cNvPicPr>
+          <p:nvPr/>
+        </p:nvPicPr>
+        <p:blipFill rotWithShape="1">
+          <a:blip r:embed="rId2">
+            <a:alphaModFix/>
+            <a:lum bright="70000" contrast="-70000"/>
+            <a:extLst>
+              <a:ext uri="{BEBA8EAE-BF5A-486C-A8C5-ECC9F3942E4B}">
+                <a14:imgProps xmlns:a14="http://schemas.microsoft.com/office/drawing/2010/main">
+                  <a14:imgLayer r:embed="rId3">
+                    <a14:imgEffect>
+                      <a14:colorTemperature colorTemp="8800"/>
+                    </a14:imgEffect>
+                    <a14:imgEffect>
+                      <a14:brightnessContrast bright="20000" contrast="20000"/>
+                    </a14:imgEffect>
+                  </a14:imgLayer>
+                </a14:imgProps>
+              </a:ext>
+              <a:ext uri="{28A0092B-C50C-407E-A947-70E740481C1C}">
+                <a14:useLocalDpi xmlns:a14="http://schemas.microsoft.com/office/drawing/2010/main" val="0"/>
+              </a:ext>
+            </a:extLst>
+          </a:blip>
+          <a:srcRect l="30439" t="3466" r="24516"/>
+          <a:stretch/>
+        </p:blipFill>
+        <p:spPr bwMode="auto">
+          <a:xfrm>
+            <a:off x="9132124" y="344385"/>
+            <a:ext cx="2683823" cy="6410325"/>
+          </a:xfrm>
+          <a:prstGeom prst="rect">
+            <a:avLst/>
+          </a:prstGeom>
+          <a:solidFill>
+            <a:schemeClr val="accent1">
+              <a:alpha val="57000"/>
+            </a:schemeClr>
+          </a:solidFill>
+        </p:spPr>
+      </p:pic>
       <p:sp>
         <p:nvSpPr>
           <p:cNvPr id="3" name="TextBox 2">
@@ -4548,7 +6435,7 @@
         <p:spPr>
           <a:xfrm>
             <a:off x="796954" y="654341"/>
-            <a:ext cx="8707773" cy="2790957"/>
+            <a:ext cx="8707773" cy="5983176"/>
           </a:xfrm>
           <a:prstGeom prst="rect">
             <a:avLst/>
@@ -4576,7 +6463,7 @@
               </a:tabLst>
             </a:pPr>
             <a:r>
-              <a:rPr lang="en-US" sz="3200" b="1" dirty="0">
+              <a:rPr lang="en-US" sz="4800" b="1" dirty="0">
                 <a:effectLst>
                   <a:outerShdw blurRad="38100" dist="38100" dir="2700000" algn="tl">
                     <a:srgbClr val="000000">
@@ -4606,14 +6493,14 @@
                 <a:tab pos="228600" algn="l"/>
               </a:tabLst>
             </a:pPr>
-            <a:endParaRPr lang="en-US" sz="2400" dirty="0">
+            <a:endParaRPr lang="en-US" sz="1050" dirty="0">
               <a:latin typeface="Eras Medium ITC" panose="020B0602030504020804" pitchFamily="34" charset="0"/>
             </a:endParaRPr>
           </a:p>
           <a:p>
             <a:pPr marR="0" lvl="0" rtl="0">
               <a:lnSpc>
-                <a:spcPct val="107000"/>
+                <a:spcPct val="150000"/>
               </a:lnSpc>
               <a:spcBef>
                 <a:spcPts val="0"/>
@@ -4626,10 +6513,10 @@
               </a:tabLst>
             </a:pPr>
             <a:r>
-              <a:rPr lang="en-US" sz="2400" dirty="0">
+              <a:rPr lang="en-US" sz="3600" dirty="0">
                 <a:latin typeface="Eras Medium ITC" panose="020B0602030504020804" pitchFamily="34" charset="0"/>
               </a:rPr>
-              <a:t>		Currently the market suggests verity of dog’s care 			solutions like vet forums, doggisiter, medication track, 			stool analyzer etc. </a:t>
+              <a:t>Currently the market suggests verity of dog’s care solutions like vet forums, doggisiter, medication track, stool analyzer etc. </a:t>
             </a:r>
           </a:p>
           <a:p>
@@ -4687,6 +6574,1052 @@
       </p:grpSpPr>
       <p:pic>
         <p:nvPicPr>
+          <p:cNvPr id="2" name="Picture 2" descr="Track paw prints icon in flat style footprints animals dog or cat icon symbol">
+            <a:extLst>
+              <a:ext uri="{FF2B5EF4-FFF2-40B4-BE49-F238E27FC236}">
+                <a16:creationId xmlns:a16="http://schemas.microsoft.com/office/drawing/2014/main" id="{D20BF47F-C34F-338A-8694-69FA1915B8AE}"/>
+              </a:ext>
+            </a:extLst>
+          </p:cNvPr>
+          <p:cNvPicPr>
+            <a:picLocks noChangeAspect="1" noChangeArrowheads="1"/>
+          </p:cNvPicPr>
+          <p:nvPr/>
+        </p:nvPicPr>
+        <p:blipFill rotWithShape="1">
+          <a:blip r:embed="rId3">
+            <a:alphaModFix/>
+            <a:lum bright="70000" contrast="-70000"/>
+            <a:extLst>
+              <a:ext uri="{BEBA8EAE-BF5A-486C-A8C5-ECC9F3942E4B}">
+                <a14:imgProps xmlns:a14="http://schemas.microsoft.com/office/drawing/2010/main">
+                  <a14:imgLayer r:embed="rId4">
+                    <a14:imgEffect>
+                      <a14:colorTemperature colorTemp="8800"/>
+                    </a14:imgEffect>
+                    <a14:imgEffect>
+                      <a14:brightnessContrast bright="20000" contrast="20000"/>
+                    </a14:imgEffect>
+                  </a14:imgLayer>
+                </a14:imgProps>
+              </a:ext>
+              <a:ext uri="{28A0092B-C50C-407E-A947-70E740481C1C}">
+                <a14:useLocalDpi xmlns:a14="http://schemas.microsoft.com/office/drawing/2010/main" val="0"/>
+              </a:ext>
+            </a:extLst>
+          </a:blip>
+          <a:srcRect l="30439" t="3466" r="24516"/>
+          <a:stretch/>
+        </p:blipFill>
+        <p:spPr bwMode="auto">
+          <a:xfrm>
+            <a:off x="9132124" y="344385"/>
+            <a:ext cx="2683823" cy="6410325"/>
+          </a:xfrm>
+          <a:prstGeom prst="rect">
+            <a:avLst/>
+          </a:prstGeom>
+          <a:solidFill>
+            <a:schemeClr val="accent1">
+              <a:alpha val="57000"/>
+            </a:schemeClr>
+          </a:solidFill>
+        </p:spPr>
+      </p:pic>
+      <p:sp>
+        <p:nvSpPr>
+          <p:cNvPr id="3" name="TextBox 2">
+            <a:extLst>
+              <a:ext uri="{FF2B5EF4-FFF2-40B4-BE49-F238E27FC236}">
+                <a16:creationId xmlns:a16="http://schemas.microsoft.com/office/drawing/2014/main" id="{3DE1C918-62C5-43E5-AA2F-E89AD2C0692E}"/>
+              </a:ext>
+            </a:extLst>
+          </p:cNvPr>
+          <p:cNvSpPr txBox="1"/>
+          <p:nvPr/>
+        </p:nvSpPr>
+        <p:spPr>
+          <a:xfrm>
+            <a:off x="332932" y="391514"/>
+            <a:ext cx="8573562" cy="5610510"/>
+          </a:xfrm>
+          <a:prstGeom prst="rect">
+            <a:avLst/>
+          </a:prstGeom>
+          <a:noFill/>
+        </p:spPr>
+        <p:txBody>
+          <a:bodyPr wrap="square">
+            <a:spAutoFit/>
+          </a:bodyPr>
+          <a:lstStyle/>
+          <a:p>
+            <a:pPr marR="0" lvl="0" rtl="0">
+              <a:lnSpc>
+                <a:spcPct val="107000"/>
+              </a:lnSpc>
+              <a:spcBef>
+                <a:spcPts val="0"/>
+              </a:spcBef>
+              <a:spcAft>
+                <a:spcPts val="800"/>
+              </a:spcAft>
+              <a:tabLst>
+                <a:tab pos="228600" algn="l"/>
+              </a:tabLst>
+            </a:pPr>
+            <a:r>
+              <a:rPr lang="en-US" sz="4800" b="1" dirty="0">
+                <a:effectLst>
+                  <a:outerShdw blurRad="38100" dist="38100" dir="2700000" algn="tl">
+                    <a:srgbClr val="000000">
+                      <a:alpha val="43137"/>
+                    </a:srgbClr>
+                  </a:outerShdw>
+                </a:effectLst>
+                <a:latin typeface="Eras Medium ITC" panose="020B0602030504020804" pitchFamily="34" charset="0"/>
+                <a:ea typeface="+mj-ea"/>
+                <a:cs typeface="+mj-cs"/>
+              </a:rPr>
+              <a:t>How do you intend to approach the problem ?</a:t>
+            </a:r>
+          </a:p>
+          <a:p>
+            <a:pPr marR="0" lvl="0" rtl="0">
+              <a:lnSpc>
+                <a:spcPct val="150000"/>
+              </a:lnSpc>
+              <a:spcBef>
+                <a:spcPts val="0"/>
+              </a:spcBef>
+              <a:spcAft>
+                <a:spcPts val="800"/>
+              </a:spcAft>
+              <a:tabLst>
+                <a:tab pos="228600" algn="l"/>
+              </a:tabLst>
+            </a:pPr>
+            <a:endParaRPr lang="en-US" sz="1050" dirty="0">
+              <a:latin typeface="Eras Medium ITC" panose="020B0602030504020804" pitchFamily="34" charset="0"/>
+            </a:endParaRPr>
+          </a:p>
+          <a:p>
+            <a:pPr marR="0" lvl="0" rtl="0">
+              <a:lnSpc>
+                <a:spcPct val="150000"/>
+              </a:lnSpc>
+              <a:spcBef>
+                <a:spcPts val="0"/>
+              </a:spcBef>
+              <a:spcAft>
+                <a:spcPts val="800"/>
+              </a:spcAft>
+              <a:tabLst>
+                <a:tab pos="228600" algn="l"/>
+              </a:tabLst>
+            </a:pPr>
+            <a:r>
+              <a:rPr lang="en-US" sz="3000" dirty="0">
+                <a:latin typeface="Eras Medium ITC" panose="020B0602030504020804" pitchFamily="34" charset="0"/>
+              </a:rPr>
+              <a:t>One place, app or web that unites all dog’s owner needs:</a:t>
+            </a:r>
+          </a:p>
+          <a:p>
+            <a:pPr marR="0" lvl="0" rtl="0">
+              <a:lnSpc>
+                <a:spcPct val="150000"/>
+              </a:lnSpc>
+              <a:spcBef>
+                <a:spcPts val="0"/>
+              </a:spcBef>
+              <a:spcAft>
+                <a:spcPts val="800"/>
+              </a:spcAft>
+              <a:tabLst>
+                <a:tab pos="228600" algn="l"/>
+              </a:tabLst>
+            </a:pPr>
+            <a:r>
+              <a:rPr lang="en-US" sz="3000" dirty="0">
+                <a:latin typeface="Eras Medium ITC" panose="020B0602030504020804" pitchFamily="34" charset="0"/>
+              </a:rPr>
+              <a:t>Get information, consult with experts, get medical suggestions from bot and learn more about medical care available to you. </a:t>
+            </a:r>
+          </a:p>
+        </p:txBody>
+      </p:sp>
+    </p:spTree>
+    <p:extLst>
+      <p:ext uri="{BB962C8B-B14F-4D97-AF65-F5344CB8AC3E}">
+        <p14:creationId xmlns:p14="http://schemas.microsoft.com/office/powerpoint/2010/main" val="164336633"/>
+      </p:ext>
+    </p:extLst>
+  </p:cSld>
+  <p:clrMapOvr>
+    <a:masterClrMapping/>
+  </p:clrMapOvr>
+</p:sld>
+</file>
+
+<file path=ppt/slides/slide5.xml><?xml version="1.0" encoding="utf-8"?>
+<p:sld xmlns:a="http://schemas.openxmlformats.org/drawingml/2006/main" xmlns:r="http://schemas.openxmlformats.org/officeDocument/2006/relationships" xmlns:p="http://schemas.openxmlformats.org/presentationml/2006/main">
+  <p:cSld>
+    <p:spTree>
+      <p:nvGrpSpPr>
+        <p:cNvPr id="1" name=""/>
+        <p:cNvGrpSpPr/>
+        <p:nvPr/>
+      </p:nvGrpSpPr>
+      <p:grpSpPr>
+        <a:xfrm>
+          <a:off x="0" y="0"/>
+          <a:ext cx="0" cy="0"/>
+          <a:chOff x="0" y="0"/>
+          <a:chExt cx="0" cy="0"/>
+        </a:xfrm>
+      </p:grpSpPr>
+      <p:pic>
+        <p:nvPicPr>
+          <p:cNvPr id="3" name="Picture 2" descr="Track paw prints icon in flat style footprints animals dog or cat icon symbol">
+            <a:extLst>
+              <a:ext uri="{FF2B5EF4-FFF2-40B4-BE49-F238E27FC236}">
+                <a16:creationId xmlns:a16="http://schemas.microsoft.com/office/drawing/2014/main" id="{C7CF2522-96B3-3E66-BEB4-ADFB7992E90F}"/>
+              </a:ext>
+            </a:extLst>
+          </p:cNvPr>
+          <p:cNvPicPr>
+            <a:picLocks noChangeAspect="1" noChangeArrowheads="1"/>
+          </p:cNvPicPr>
+          <p:nvPr/>
+        </p:nvPicPr>
+        <p:blipFill rotWithShape="1">
+          <a:blip r:embed="rId2">
+            <a:alphaModFix/>
+            <a:lum bright="70000" contrast="-70000"/>
+            <a:extLst>
+              <a:ext uri="{BEBA8EAE-BF5A-486C-A8C5-ECC9F3942E4B}">
+                <a14:imgProps xmlns:a14="http://schemas.microsoft.com/office/drawing/2010/main">
+                  <a14:imgLayer r:embed="rId3">
+                    <a14:imgEffect>
+                      <a14:colorTemperature colorTemp="8800"/>
+                    </a14:imgEffect>
+                    <a14:imgEffect>
+                      <a14:brightnessContrast bright="20000" contrast="20000"/>
+                    </a14:imgEffect>
+                  </a14:imgLayer>
+                </a14:imgProps>
+              </a:ext>
+              <a:ext uri="{28A0092B-C50C-407E-A947-70E740481C1C}">
+                <a14:useLocalDpi xmlns:a14="http://schemas.microsoft.com/office/drawing/2010/main" val="0"/>
+              </a:ext>
+            </a:extLst>
+          </a:blip>
+          <a:srcRect l="30439" t="3466" r="24516"/>
+          <a:stretch/>
+        </p:blipFill>
+        <p:spPr bwMode="auto">
+          <a:xfrm>
+            <a:off x="9132124" y="344385"/>
+            <a:ext cx="2683823" cy="6410325"/>
+          </a:xfrm>
+          <a:prstGeom prst="rect">
+            <a:avLst/>
+          </a:prstGeom>
+          <a:solidFill>
+            <a:schemeClr val="accent1">
+              <a:alpha val="57000"/>
+            </a:schemeClr>
+          </a:solidFill>
+        </p:spPr>
+      </p:pic>
+      <p:sp>
+        <p:nvSpPr>
+          <p:cNvPr id="2" name="TextBox 1">
+            <a:extLst>
+              <a:ext uri="{FF2B5EF4-FFF2-40B4-BE49-F238E27FC236}">
+                <a16:creationId xmlns:a16="http://schemas.microsoft.com/office/drawing/2014/main" id="{6665A7D9-33C7-70D3-3F4E-6773E3C4D331}"/>
+              </a:ext>
+            </a:extLst>
+          </p:cNvPr>
+          <p:cNvSpPr txBox="1"/>
+          <p:nvPr/>
+        </p:nvSpPr>
+        <p:spPr>
+          <a:xfrm>
+            <a:off x="973776" y="344385"/>
+            <a:ext cx="8562109" cy="5622052"/>
+          </a:xfrm>
+          <a:prstGeom prst="rect">
+            <a:avLst/>
+          </a:prstGeom>
+          <a:noFill/>
+        </p:spPr>
+        <p:txBody>
+          <a:bodyPr wrap="square" rtlCol="0">
+            <a:spAutoFit/>
+          </a:bodyPr>
+          <a:lstStyle/>
+          <a:p>
+            <a:pPr algn="ctr"/>
+            <a:r>
+              <a:rPr lang="en-US" sz="4800" b="1" dirty="0">
+                <a:effectLst>
+                  <a:outerShdw blurRad="38100" dist="38100" dir="2700000" algn="tl">
+                    <a:srgbClr val="000000">
+                      <a:alpha val="43137"/>
+                    </a:srgbClr>
+                  </a:outerShdw>
+                </a:effectLst>
+                <a:latin typeface="Eras Medium ITC" panose="020B0602030504020804" pitchFamily="34" charset="0"/>
+                <a:ea typeface="+mj-ea"/>
+                <a:cs typeface="+mj-cs"/>
+              </a:rPr>
+              <a:t>Main</a:t>
+            </a:r>
+            <a:r>
+              <a:rPr lang="en-US" sz="2400" dirty="0"/>
+              <a:t> </a:t>
+            </a:r>
+            <a:r>
+              <a:rPr lang="en-US" sz="5400" b="1" dirty="0">
+                <a:effectLst>
+                  <a:outerShdw blurRad="38100" dist="38100" dir="2700000" algn="tl">
+                    <a:srgbClr val="000000">
+                      <a:alpha val="43137"/>
+                    </a:srgbClr>
+                  </a:outerShdw>
+                </a:effectLst>
+                <a:latin typeface="Eras Medium ITC" panose="020B0602030504020804" pitchFamily="34" charset="0"/>
+                <a:ea typeface="+mj-ea"/>
+                <a:cs typeface="+mj-cs"/>
+              </a:rPr>
+              <a:t>features</a:t>
+            </a:r>
+            <a:r>
+              <a:rPr lang="en-US" sz="4800" b="1" dirty="0">
+                <a:effectLst>
+                  <a:outerShdw blurRad="38100" dist="38100" dir="2700000" algn="tl">
+                    <a:srgbClr val="000000">
+                      <a:alpha val="43137"/>
+                    </a:srgbClr>
+                  </a:outerShdw>
+                </a:effectLst>
+                <a:latin typeface="Eras Medium ITC" panose="020B0602030504020804" pitchFamily="34" charset="0"/>
+                <a:ea typeface="+mj-ea"/>
+                <a:cs typeface="+mj-cs"/>
+              </a:rPr>
+              <a:t>: </a:t>
+            </a:r>
+          </a:p>
+          <a:p>
+            <a:pPr algn="ctr"/>
+            <a:endParaRPr lang="en-US" b="1" dirty="0">
+              <a:effectLst>
+                <a:outerShdw blurRad="38100" dist="38100" dir="2700000" algn="tl">
+                  <a:srgbClr val="000000">
+                    <a:alpha val="43137"/>
+                  </a:srgbClr>
+                </a:outerShdw>
+              </a:effectLst>
+              <a:latin typeface="Eras Medium ITC" panose="020B0602030504020804" pitchFamily="34" charset="0"/>
+              <a:ea typeface="+mj-ea"/>
+              <a:cs typeface="+mj-cs"/>
+            </a:endParaRPr>
+          </a:p>
+          <a:p>
+            <a:pPr marL="571500" indent="-571500">
+              <a:lnSpc>
+                <a:spcPct val="150000"/>
+              </a:lnSpc>
+              <a:buFont typeface="Arial" panose="020B0604020202020204" pitchFamily="34" charset="0"/>
+              <a:buChar char="•"/>
+            </a:pPr>
+            <a:r>
+              <a:rPr lang="en-US" sz="3600" dirty="0">
+                <a:latin typeface="Eras Medium ITC" panose="020B0602030504020804" pitchFamily="34" charset="0"/>
+              </a:rPr>
+              <a:t>Forums with vets, trainers , </a:t>
+            </a:r>
+            <a:r>
+              <a:rPr lang="en-US" sz="3600" dirty="0" err="1">
+                <a:latin typeface="Eras Medium ITC" panose="020B0602030504020804" pitchFamily="34" charset="0"/>
+              </a:rPr>
+              <a:t>doggisiters</a:t>
+            </a:r>
+            <a:endParaRPr lang="en-US" sz="3600" dirty="0">
+              <a:latin typeface="Eras Medium ITC" panose="020B0602030504020804" pitchFamily="34" charset="0"/>
+            </a:endParaRPr>
+          </a:p>
+          <a:p>
+            <a:pPr marL="342900" indent="-342900">
+              <a:lnSpc>
+                <a:spcPct val="150000"/>
+              </a:lnSpc>
+              <a:spcAft>
+                <a:spcPts val="800"/>
+              </a:spcAft>
+              <a:buFont typeface="Arial" panose="020B0604020202020204" pitchFamily="34" charset="0"/>
+              <a:buChar char="•"/>
+              <a:tabLst>
+                <a:tab pos="228600" algn="l"/>
+              </a:tabLst>
+            </a:pPr>
+            <a:r>
+              <a:rPr lang="en-US" sz="3600" dirty="0">
+                <a:latin typeface="Eras Medium ITC" panose="020B0602030504020804" pitchFamily="34" charset="0"/>
+              </a:rPr>
+              <a:t> A veterinarian/veterinary hospital closest to your location</a:t>
+            </a:r>
+          </a:p>
+          <a:p>
+            <a:pPr marL="342900" indent="-342900">
+              <a:lnSpc>
+                <a:spcPct val="200000"/>
+              </a:lnSpc>
+              <a:spcAft>
+                <a:spcPts val="800"/>
+              </a:spcAft>
+              <a:buFont typeface="Arial" panose="020B0604020202020204" pitchFamily="34" charset="0"/>
+              <a:buChar char="•"/>
+              <a:tabLst>
+                <a:tab pos="228600" algn="l"/>
+              </a:tabLst>
+            </a:pPr>
+            <a:r>
+              <a:rPr lang="en-US" sz="3600" dirty="0">
+                <a:latin typeface="Eras Medium ITC" panose="020B0602030504020804" pitchFamily="34" charset="0"/>
+              </a:rPr>
+              <a:t>Diagnosing dangerous food</a:t>
+            </a:r>
+            <a:endParaRPr lang="en-US" sz="4000" b="1" dirty="0">
+              <a:effectLst>
+                <a:outerShdw blurRad="38100" dist="38100" dir="2700000" algn="tl">
+                  <a:srgbClr val="000000">
+                    <a:alpha val="43137"/>
+                  </a:srgbClr>
+                </a:outerShdw>
+              </a:effectLst>
+              <a:latin typeface="Eras Medium ITC" panose="020B0602030504020804" pitchFamily="34" charset="0"/>
+              <a:ea typeface="+mj-ea"/>
+              <a:cs typeface="+mj-cs"/>
+            </a:endParaRPr>
+          </a:p>
+          <a:p>
+            <a:endParaRPr lang="en-US" sz="4000" b="1" dirty="0">
+              <a:effectLst>
+                <a:outerShdw blurRad="38100" dist="38100" dir="2700000" algn="tl">
+                  <a:srgbClr val="000000">
+                    <a:alpha val="43137"/>
+                  </a:srgbClr>
+                </a:outerShdw>
+              </a:effectLst>
+              <a:latin typeface="Eras Medium ITC" panose="020B0602030504020804" pitchFamily="34" charset="0"/>
+              <a:ea typeface="+mj-ea"/>
+              <a:cs typeface="+mj-cs"/>
+            </a:endParaRPr>
+          </a:p>
+        </p:txBody>
+      </p:sp>
+    </p:spTree>
+    <p:extLst>
+      <p:ext uri="{BB962C8B-B14F-4D97-AF65-F5344CB8AC3E}">
+        <p14:creationId xmlns:p14="http://schemas.microsoft.com/office/powerpoint/2010/main" val="1945955228"/>
+      </p:ext>
+    </p:extLst>
+  </p:cSld>
+  <p:clrMapOvr>
+    <a:masterClrMapping/>
+  </p:clrMapOvr>
+</p:sld>
+</file>
+
+<file path=ppt/slides/slide6.xml><?xml version="1.0" encoding="utf-8"?>
+<p:sld xmlns:a="http://schemas.openxmlformats.org/drawingml/2006/main" xmlns:r="http://schemas.openxmlformats.org/officeDocument/2006/relationships" xmlns:p="http://schemas.openxmlformats.org/presentationml/2006/main">
+  <p:cSld>
+    <p:spTree>
+      <p:nvGrpSpPr>
+        <p:cNvPr id="1" name=""/>
+        <p:cNvGrpSpPr/>
+        <p:nvPr/>
+      </p:nvGrpSpPr>
+      <p:grpSpPr>
+        <a:xfrm>
+          <a:off x="0" y="0"/>
+          <a:ext cx="0" cy="0"/>
+          <a:chOff x="0" y="0"/>
+          <a:chExt cx="0" cy="0"/>
+        </a:xfrm>
+      </p:grpSpPr>
+      <p:pic>
+        <p:nvPicPr>
+          <p:cNvPr id="3" name="Picture 2" descr="Track paw prints icon in flat style footprints animals dog or cat icon symbol">
+            <a:extLst>
+              <a:ext uri="{FF2B5EF4-FFF2-40B4-BE49-F238E27FC236}">
+                <a16:creationId xmlns:a16="http://schemas.microsoft.com/office/drawing/2014/main" id="{43FB914C-5143-E51B-C9EA-875106FA1A4C}"/>
+              </a:ext>
+            </a:extLst>
+          </p:cNvPr>
+          <p:cNvPicPr>
+            <a:picLocks noChangeAspect="1" noChangeArrowheads="1"/>
+          </p:cNvPicPr>
+          <p:nvPr/>
+        </p:nvPicPr>
+        <p:blipFill rotWithShape="1">
+          <a:blip r:embed="rId2">
+            <a:alphaModFix/>
+            <a:lum bright="70000" contrast="-70000"/>
+            <a:extLst>
+              <a:ext uri="{BEBA8EAE-BF5A-486C-A8C5-ECC9F3942E4B}">
+                <a14:imgProps xmlns:a14="http://schemas.microsoft.com/office/drawing/2010/main">
+                  <a14:imgLayer r:embed="rId3">
+                    <a14:imgEffect>
+                      <a14:colorTemperature colorTemp="8800"/>
+                    </a14:imgEffect>
+                    <a14:imgEffect>
+                      <a14:brightnessContrast bright="20000" contrast="20000"/>
+                    </a14:imgEffect>
+                  </a14:imgLayer>
+                </a14:imgProps>
+              </a:ext>
+              <a:ext uri="{28A0092B-C50C-407E-A947-70E740481C1C}">
+                <a14:useLocalDpi xmlns:a14="http://schemas.microsoft.com/office/drawing/2010/main" val="0"/>
+              </a:ext>
+            </a:extLst>
+          </a:blip>
+          <a:srcRect l="30439" t="3466" r="24516"/>
+          <a:stretch/>
+        </p:blipFill>
+        <p:spPr bwMode="auto">
+          <a:xfrm>
+            <a:off x="9132124" y="344385"/>
+            <a:ext cx="2683823" cy="6410325"/>
+          </a:xfrm>
+          <a:prstGeom prst="rect">
+            <a:avLst/>
+          </a:prstGeom>
+          <a:solidFill>
+            <a:schemeClr val="accent1">
+              <a:alpha val="57000"/>
+            </a:schemeClr>
+          </a:solidFill>
+        </p:spPr>
+      </p:pic>
+      <p:sp>
+        <p:nvSpPr>
+          <p:cNvPr id="2" name="TextBox 1">
+            <a:extLst>
+              <a:ext uri="{FF2B5EF4-FFF2-40B4-BE49-F238E27FC236}">
+                <a16:creationId xmlns:a16="http://schemas.microsoft.com/office/drawing/2014/main" id="{A0361553-F022-BA25-4616-7A502BCF7DF0}"/>
+              </a:ext>
+            </a:extLst>
+          </p:cNvPr>
+          <p:cNvSpPr txBox="1"/>
+          <p:nvPr/>
+        </p:nvSpPr>
+        <p:spPr>
+          <a:xfrm>
+            <a:off x="1140031" y="605642"/>
+            <a:ext cx="10082151" cy="5693866"/>
+          </a:xfrm>
+          <a:prstGeom prst="rect">
+            <a:avLst/>
+          </a:prstGeom>
+          <a:noFill/>
+        </p:spPr>
+        <p:txBody>
+          <a:bodyPr wrap="square" rtlCol="0">
+            <a:spAutoFit/>
+          </a:bodyPr>
+          <a:lstStyle/>
+          <a:p>
+            <a:pPr algn="ctr"/>
+            <a:r>
+              <a:rPr lang="en-US" sz="5400" b="1" dirty="0">
+                <a:effectLst>
+                  <a:outerShdw blurRad="38100" dist="38100" dir="2700000" algn="tl">
+                    <a:srgbClr val="000000">
+                      <a:alpha val="43137"/>
+                    </a:srgbClr>
+                  </a:outerShdw>
+                </a:effectLst>
+                <a:latin typeface="Eras Medium ITC" panose="020B0602030504020804" pitchFamily="34" charset="0"/>
+                <a:ea typeface="+mj-ea"/>
+                <a:cs typeface="+mj-cs"/>
+              </a:rPr>
+              <a:t>Main</a:t>
+            </a:r>
+            <a:r>
+              <a:rPr lang="en-US" sz="2800" dirty="0"/>
+              <a:t> </a:t>
+            </a:r>
+            <a:r>
+              <a:rPr lang="en-US" sz="5400" b="1" dirty="0">
+                <a:effectLst>
+                  <a:outerShdw blurRad="38100" dist="38100" dir="2700000" algn="tl">
+                    <a:srgbClr val="000000">
+                      <a:alpha val="43137"/>
+                    </a:srgbClr>
+                  </a:outerShdw>
+                </a:effectLst>
+                <a:latin typeface="Eras Medium ITC" panose="020B0602030504020804" pitchFamily="34" charset="0"/>
+                <a:ea typeface="+mj-ea"/>
+                <a:cs typeface="+mj-cs"/>
+              </a:rPr>
+              <a:t>features: </a:t>
+            </a:r>
+          </a:p>
+          <a:p>
+            <a:pPr>
+              <a:lnSpc>
+                <a:spcPct val="150000"/>
+              </a:lnSpc>
+            </a:pPr>
+            <a:r>
+              <a:rPr lang="en-US" sz="3600" dirty="0">
+                <a:latin typeface="Eras Medium ITC" panose="020B0602030504020804" pitchFamily="34" charset="0"/>
+              </a:rPr>
+              <a:t>	Bot medical consultation:</a:t>
+            </a:r>
+          </a:p>
+          <a:p>
+            <a:pPr marL="1485900" lvl="2" indent="-571500">
+              <a:lnSpc>
+                <a:spcPct val="150000"/>
+              </a:lnSpc>
+              <a:buFont typeface="Arial" panose="020B0604020202020204" pitchFamily="34" charset="0"/>
+              <a:buChar char="•"/>
+            </a:pPr>
+            <a:r>
+              <a:rPr lang="en-US" sz="3600" dirty="0">
+                <a:latin typeface="Eras Medium ITC" panose="020B0602030504020804" pitchFamily="34" charset="0"/>
+              </a:rPr>
+              <a:t>Stool analyzer </a:t>
+            </a:r>
+          </a:p>
+          <a:p>
+            <a:pPr marL="1485900" lvl="2" indent="-571500">
+              <a:lnSpc>
+                <a:spcPct val="150000"/>
+              </a:lnSpc>
+              <a:buFont typeface="Arial" panose="020B0604020202020204" pitchFamily="34" charset="0"/>
+              <a:buChar char="•"/>
+            </a:pPr>
+            <a:r>
+              <a:rPr lang="en-US" sz="3600" dirty="0">
+                <a:latin typeface="Eras Medium ITC" panose="020B0602030504020804" pitchFamily="34" charset="0"/>
+              </a:rPr>
+              <a:t>Puke analyzer </a:t>
+            </a:r>
+          </a:p>
+          <a:p>
+            <a:pPr marL="1485900" lvl="2" indent="-571500">
+              <a:lnSpc>
+                <a:spcPct val="150000"/>
+              </a:lnSpc>
+              <a:buFont typeface="Arial" panose="020B0604020202020204" pitchFamily="34" charset="0"/>
+              <a:buChar char="•"/>
+            </a:pPr>
+            <a:r>
+              <a:rPr lang="en-US" sz="3600" dirty="0">
+                <a:latin typeface="Eras Medium ITC" panose="020B0602030504020804" pitchFamily="34" charset="0"/>
+              </a:rPr>
+              <a:t>Eyes and ears analyzer</a:t>
+            </a:r>
+          </a:p>
+          <a:p>
+            <a:pPr marL="1485900" lvl="2" indent="-571500">
+              <a:lnSpc>
+                <a:spcPct val="150000"/>
+              </a:lnSpc>
+              <a:buFont typeface="Arial" panose="020B0604020202020204" pitchFamily="34" charset="0"/>
+              <a:buChar char="•"/>
+            </a:pPr>
+            <a:r>
+              <a:rPr lang="en-US" sz="3600" dirty="0">
+                <a:latin typeface="Eras Medium ITC" panose="020B0602030504020804" pitchFamily="34" charset="0"/>
+              </a:rPr>
+              <a:t>Treatment of parasites</a:t>
+            </a:r>
+            <a:endParaRPr lang="en-US" sz="4000" b="1" dirty="0">
+              <a:effectLst>
+                <a:outerShdw blurRad="38100" dist="38100" dir="2700000" algn="tl">
+                  <a:srgbClr val="000000">
+                    <a:alpha val="43137"/>
+                  </a:srgbClr>
+                </a:outerShdw>
+              </a:effectLst>
+              <a:latin typeface="Eras Medium ITC" panose="020B0602030504020804" pitchFamily="34" charset="0"/>
+              <a:ea typeface="+mj-ea"/>
+              <a:cs typeface="+mj-cs"/>
+            </a:endParaRPr>
+          </a:p>
+          <a:p>
+            <a:endParaRPr lang="en-US" sz="4000" b="1" dirty="0">
+              <a:effectLst>
+                <a:outerShdw blurRad="38100" dist="38100" dir="2700000" algn="tl">
+                  <a:srgbClr val="000000">
+                    <a:alpha val="43137"/>
+                  </a:srgbClr>
+                </a:outerShdw>
+              </a:effectLst>
+              <a:latin typeface="Eras Medium ITC" panose="020B0602030504020804" pitchFamily="34" charset="0"/>
+              <a:ea typeface="+mj-ea"/>
+              <a:cs typeface="+mj-cs"/>
+            </a:endParaRPr>
+          </a:p>
+        </p:txBody>
+      </p:sp>
+    </p:spTree>
+    <p:extLst>
+      <p:ext uri="{BB962C8B-B14F-4D97-AF65-F5344CB8AC3E}">
+        <p14:creationId xmlns:p14="http://schemas.microsoft.com/office/powerpoint/2010/main" val="1890341580"/>
+      </p:ext>
+    </p:extLst>
+  </p:cSld>
+  <p:clrMapOvr>
+    <a:masterClrMapping/>
+  </p:clrMapOvr>
+</p:sld>
+</file>
+
+<file path=ppt/slides/slide7.xml><?xml version="1.0" encoding="utf-8"?>
+<p:sld xmlns:a="http://schemas.openxmlformats.org/drawingml/2006/main" xmlns:r="http://schemas.openxmlformats.org/officeDocument/2006/relationships" xmlns:p="http://schemas.openxmlformats.org/presentationml/2006/main">
+  <p:cSld>
+    <p:spTree>
+      <p:nvGrpSpPr>
+        <p:cNvPr id="1" name=""/>
+        <p:cNvGrpSpPr/>
+        <p:nvPr/>
+      </p:nvGrpSpPr>
+      <p:grpSpPr>
+        <a:xfrm>
+          <a:off x="0" y="0"/>
+          <a:ext cx="0" cy="0"/>
+          <a:chOff x="0" y="0"/>
+          <a:chExt cx="0" cy="0"/>
+        </a:xfrm>
+      </p:grpSpPr>
+      <p:pic>
+        <p:nvPicPr>
+          <p:cNvPr id="7" name="Picture 2" descr="Track paw prints icon in flat style footprints animals dog or cat icon symbol">
+            <a:extLst>
+              <a:ext uri="{FF2B5EF4-FFF2-40B4-BE49-F238E27FC236}">
+                <a16:creationId xmlns:a16="http://schemas.microsoft.com/office/drawing/2014/main" id="{C5D1E054-ED62-0553-708F-CAF91BEC4982}"/>
+              </a:ext>
+            </a:extLst>
+          </p:cNvPr>
+          <p:cNvPicPr>
+            <a:picLocks noChangeAspect="1" noChangeArrowheads="1"/>
+          </p:cNvPicPr>
+          <p:nvPr/>
+        </p:nvPicPr>
+        <p:blipFill rotWithShape="1">
+          <a:blip r:embed="rId2">
+            <a:alphaModFix/>
+            <a:lum bright="70000" contrast="-70000"/>
+            <a:extLst>
+              <a:ext uri="{BEBA8EAE-BF5A-486C-A8C5-ECC9F3942E4B}">
+                <a14:imgProps xmlns:a14="http://schemas.microsoft.com/office/drawing/2010/main">
+                  <a14:imgLayer r:embed="rId3">
+                    <a14:imgEffect>
+                      <a14:colorTemperature colorTemp="8800"/>
+                    </a14:imgEffect>
+                    <a14:imgEffect>
+                      <a14:brightnessContrast bright="20000" contrast="20000"/>
+                    </a14:imgEffect>
+                  </a14:imgLayer>
+                </a14:imgProps>
+              </a:ext>
+              <a:ext uri="{28A0092B-C50C-407E-A947-70E740481C1C}">
+                <a14:useLocalDpi xmlns:a14="http://schemas.microsoft.com/office/drawing/2010/main" val="0"/>
+              </a:ext>
+            </a:extLst>
+          </a:blip>
+          <a:srcRect l="30439" t="3466" r="24516"/>
+          <a:stretch/>
+        </p:blipFill>
+        <p:spPr bwMode="auto">
+          <a:xfrm>
+            <a:off x="9132124" y="344385"/>
+            <a:ext cx="2683823" cy="6410325"/>
+          </a:xfrm>
+          <a:prstGeom prst="rect">
+            <a:avLst/>
+          </a:prstGeom>
+          <a:solidFill>
+            <a:schemeClr val="accent1">
+              <a:alpha val="57000"/>
+            </a:schemeClr>
+          </a:solidFill>
+        </p:spPr>
+      </p:pic>
+      <p:sp>
+        <p:nvSpPr>
+          <p:cNvPr id="4" name="TextBox 3">
+            <a:extLst>
+              <a:ext uri="{FF2B5EF4-FFF2-40B4-BE49-F238E27FC236}">
+                <a16:creationId xmlns:a16="http://schemas.microsoft.com/office/drawing/2014/main" id="{6E5BF927-57CE-17EE-607B-559E601F0AE5}"/>
+              </a:ext>
+            </a:extLst>
+          </p:cNvPr>
+          <p:cNvSpPr txBox="1"/>
+          <p:nvPr/>
+        </p:nvSpPr>
+        <p:spPr>
+          <a:xfrm>
+            <a:off x="1140031" y="605642"/>
+            <a:ext cx="10082151" cy="6973769"/>
+          </a:xfrm>
+          <a:prstGeom prst="rect">
+            <a:avLst/>
+          </a:prstGeom>
+          <a:noFill/>
+        </p:spPr>
+        <p:txBody>
+          <a:bodyPr wrap="square" rtlCol="0">
+            <a:spAutoFit/>
+          </a:bodyPr>
+          <a:lstStyle/>
+          <a:p>
+            <a:pPr algn="ctr"/>
+            <a:r>
+              <a:rPr lang="en-US" sz="5400" b="1" dirty="0">
+                <a:effectLst>
+                  <a:outerShdw blurRad="38100" dist="38100" dir="2700000" algn="tl">
+                    <a:srgbClr val="000000">
+                      <a:alpha val="43137"/>
+                    </a:srgbClr>
+                  </a:outerShdw>
+                </a:effectLst>
+                <a:latin typeface="Eras Medium ITC" panose="020B0602030504020804" pitchFamily="34" charset="0"/>
+                <a:ea typeface="+mj-ea"/>
+                <a:cs typeface="+mj-cs"/>
+              </a:rPr>
+              <a:t>Main</a:t>
+            </a:r>
+            <a:r>
+              <a:rPr lang="en-US" sz="2800" dirty="0"/>
+              <a:t> </a:t>
+            </a:r>
+            <a:r>
+              <a:rPr lang="en-US" sz="5400" b="1" dirty="0">
+                <a:effectLst>
+                  <a:outerShdw blurRad="38100" dist="38100" dir="2700000" algn="tl">
+                    <a:srgbClr val="000000">
+                      <a:alpha val="43137"/>
+                    </a:srgbClr>
+                  </a:outerShdw>
+                </a:effectLst>
+                <a:latin typeface="Eras Medium ITC" panose="020B0602030504020804" pitchFamily="34" charset="0"/>
+                <a:ea typeface="+mj-ea"/>
+                <a:cs typeface="+mj-cs"/>
+              </a:rPr>
+              <a:t>features:</a:t>
+            </a:r>
+          </a:p>
+          <a:p>
+            <a:pPr algn="ctr"/>
+            <a:endParaRPr lang="en-US" sz="1050" b="1" dirty="0">
+              <a:effectLst>
+                <a:outerShdw blurRad="38100" dist="38100" dir="2700000" algn="tl">
+                  <a:srgbClr val="000000">
+                    <a:alpha val="43137"/>
+                  </a:srgbClr>
+                </a:outerShdw>
+              </a:effectLst>
+              <a:latin typeface="Eras Medium ITC" panose="020B0602030504020804" pitchFamily="34" charset="0"/>
+              <a:ea typeface="+mj-ea"/>
+              <a:cs typeface="+mj-cs"/>
+            </a:endParaRPr>
+          </a:p>
+          <a:p>
+            <a:pPr marL="342900" marR="0" lvl="0" indent="-342900" rtl="0">
+              <a:lnSpc>
+                <a:spcPct val="150000"/>
+              </a:lnSpc>
+              <a:spcBef>
+                <a:spcPts val="0"/>
+              </a:spcBef>
+              <a:spcAft>
+                <a:spcPts val="800"/>
+              </a:spcAft>
+              <a:buFont typeface="Arial" panose="020B0604020202020204" pitchFamily="34" charset="0"/>
+              <a:buChar char="•"/>
+              <a:tabLst>
+                <a:tab pos="228600" algn="l"/>
+              </a:tabLst>
+            </a:pPr>
+            <a:r>
+              <a:rPr lang="en-US" sz="3600" dirty="0">
+                <a:latin typeface="Eras Medium ITC" panose="020B0602030504020804" pitchFamily="34" charset="0"/>
+              </a:rPr>
+              <a:t>Breed information (how to treat, unique characteristics </a:t>
+            </a:r>
+            <a:r>
+              <a:rPr lang="en-US" sz="3600" dirty="0" err="1">
+                <a:latin typeface="Eras Medium ITC" panose="020B0602030504020804" pitchFamily="34" charset="0"/>
+              </a:rPr>
+              <a:t>etc</a:t>
+            </a:r>
+            <a:r>
+              <a:rPr lang="en-US" sz="3600" dirty="0">
+                <a:latin typeface="Eras Medium ITC" panose="020B0602030504020804" pitchFamily="34" charset="0"/>
+              </a:rPr>
+              <a:t>)</a:t>
+            </a:r>
+          </a:p>
+          <a:p>
+            <a:pPr marL="342900" marR="0" lvl="0" indent="-342900" rtl="0">
+              <a:lnSpc>
+                <a:spcPct val="150000"/>
+              </a:lnSpc>
+              <a:spcBef>
+                <a:spcPts val="0"/>
+              </a:spcBef>
+              <a:spcAft>
+                <a:spcPts val="800"/>
+              </a:spcAft>
+              <a:buFont typeface="Arial" panose="020B0604020202020204" pitchFamily="34" charset="0"/>
+              <a:buChar char="•"/>
+              <a:tabLst>
+                <a:tab pos="228600" algn="l"/>
+              </a:tabLst>
+            </a:pPr>
+            <a:r>
+              <a:rPr lang="en-US" sz="3600" dirty="0">
+                <a:latin typeface="Eras Medium ITC" panose="020B0602030504020804" pitchFamily="34" charset="0"/>
+              </a:rPr>
+              <a:t>Vaccinations required and prices:</a:t>
+            </a:r>
+          </a:p>
+          <a:p>
+            <a:pPr marL="800100" lvl="1" indent="-342900">
+              <a:lnSpc>
+                <a:spcPct val="150000"/>
+              </a:lnSpc>
+              <a:spcAft>
+                <a:spcPts val="800"/>
+              </a:spcAft>
+              <a:buFont typeface="Arial" panose="020B0604020202020204" pitchFamily="34" charset="0"/>
+              <a:buChar char="•"/>
+              <a:tabLst>
+                <a:tab pos="228600" algn="l"/>
+              </a:tabLst>
+            </a:pPr>
+            <a:r>
+              <a:rPr lang="en-US" sz="3600" dirty="0">
+                <a:latin typeface="Eras Medium ITC" panose="020B0602030504020804" pitchFamily="34" charset="0"/>
+              </a:rPr>
+              <a:t>Reminders</a:t>
+            </a:r>
+          </a:p>
+          <a:p>
+            <a:pPr marL="800100" lvl="1" indent="-342900">
+              <a:lnSpc>
+                <a:spcPct val="150000"/>
+              </a:lnSpc>
+              <a:spcAft>
+                <a:spcPts val="800"/>
+              </a:spcAft>
+              <a:buFont typeface="Arial" panose="020B0604020202020204" pitchFamily="34" charset="0"/>
+              <a:buChar char="•"/>
+              <a:tabLst>
+                <a:tab pos="228600" algn="l"/>
+              </a:tabLst>
+            </a:pPr>
+            <a:r>
+              <a:rPr lang="en-US" sz="3600" dirty="0">
+                <a:latin typeface="Eras Medium ITC" panose="020B0602030504020804" pitchFamily="34" charset="0"/>
+              </a:rPr>
+              <a:t>Record of immunizations</a:t>
+            </a:r>
+          </a:p>
+          <a:p>
+            <a:pPr marL="342900" marR="0" lvl="0" indent="-342900" rtl="0">
+              <a:lnSpc>
+                <a:spcPct val="107000"/>
+              </a:lnSpc>
+              <a:spcBef>
+                <a:spcPts val="0"/>
+              </a:spcBef>
+              <a:spcAft>
+                <a:spcPts val="800"/>
+              </a:spcAft>
+              <a:buFont typeface="Arial" panose="020B0604020202020204" pitchFamily="34" charset="0"/>
+              <a:buChar char="•"/>
+              <a:tabLst>
+                <a:tab pos="228600" algn="l"/>
+              </a:tabLst>
+            </a:pPr>
+            <a:endParaRPr lang="en-US" sz="4000" b="1" dirty="0">
+              <a:effectLst>
+                <a:outerShdw blurRad="38100" dist="38100" dir="2700000" algn="tl">
+                  <a:srgbClr val="000000">
+                    <a:alpha val="43137"/>
+                  </a:srgbClr>
+                </a:outerShdw>
+              </a:effectLst>
+              <a:latin typeface="Eras Medium ITC" panose="020B0602030504020804" pitchFamily="34" charset="0"/>
+              <a:ea typeface="+mj-ea"/>
+              <a:cs typeface="+mj-cs"/>
+            </a:endParaRPr>
+          </a:p>
+          <a:p>
+            <a:pPr marL="342900" marR="0" lvl="0" indent="-342900" rtl="0">
+              <a:lnSpc>
+                <a:spcPct val="107000"/>
+              </a:lnSpc>
+              <a:spcBef>
+                <a:spcPts val="0"/>
+              </a:spcBef>
+              <a:spcAft>
+                <a:spcPts val="800"/>
+              </a:spcAft>
+              <a:buFont typeface="Arial" panose="020B0604020202020204" pitchFamily="34" charset="0"/>
+              <a:buChar char="•"/>
+              <a:tabLst>
+                <a:tab pos="228600" algn="l"/>
+              </a:tabLst>
+            </a:pPr>
+            <a:endParaRPr lang="en-US" sz="3600" dirty="0">
+              <a:latin typeface="Eras Medium ITC" panose="020B0602030504020804" pitchFamily="34" charset="0"/>
+            </a:endParaRPr>
+          </a:p>
+        </p:txBody>
+      </p:sp>
+    </p:spTree>
+    <p:extLst>
+      <p:ext uri="{BB962C8B-B14F-4D97-AF65-F5344CB8AC3E}">
+        <p14:creationId xmlns:p14="http://schemas.microsoft.com/office/powerpoint/2010/main" val="1977507869"/>
+      </p:ext>
+    </p:extLst>
+  </p:cSld>
+  <p:clrMapOvr>
+    <a:masterClrMapping/>
+  </p:clrMapOvr>
+</p:sld>
+</file>
+
+<file path=ppt/slides/slide8.xml><?xml version="1.0" encoding="utf-8"?>
+<p:sld xmlns:a="http://schemas.openxmlformats.org/drawingml/2006/main" xmlns:r="http://schemas.openxmlformats.org/officeDocument/2006/relationships" xmlns:p="http://schemas.openxmlformats.org/presentationml/2006/main">
+  <p:cSld>
+    <p:spTree>
+      <p:nvGrpSpPr>
+        <p:cNvPr id="1" name=""/>
+        <p:cNvGrpSpPr/>
+        <p:nvPr/>
+      </p:nvGrpSpPr>
+      <p:grpSpPr>
+        <a:xfrm>
+          <a:off x="0" y="0"/>
+          <a:ext cx="0" cy="0"/>
+          <a:chOff x="0" y="0"/>
+          <a:chExt cx="0" cy="0"/>
+        </a:xfrm>
+      </p:grpSpPr>
+      <p:pic>
+        <p:nvPicPr>
           <p:cNvPr id="5" name="Picture 4">
             <a:extLst>
               <a:ext uri="{FF2B5EF4-FFF2-40B4-BE49-F238E27FC236}">
@@ -5385,7 +8318,7 @@
 </p:sld>
 </file>
 
-<file path=ppt/slides/slide5.xml><?xml version="1.0" encoding="utf-8"?>
+<file path=ppt/slides/slide9.xml><?xml version="1.0" encoding="utf-8"?>
 <p:sld xmlns:a="http://schemas.openxmlformats.org/drawingml/2006/main" xmlns:r="http://schemas.openxmlformats.org/officeDocument/2006/relationships" xmlns:p="http://schemas.openxmlformats.org/presentationml/2006/main">
   <p:cSld>
     <p:spTree>
@@ -5995,1249 +8928,6 @@
     <p:extLst>
       <p:ext uri="{BB962C8B-B14F-4D97-AF65-F5344CB8AC3E}">
         <p14:creationId xmlns:p14="http://schemas.microsoft.com/office/powerpoint/2010/main" val="326712984"/>
-      </p:ext>
-    </p:extLst>
-  </p:cSld>
-  <p:clrMapOvr>
-    <a:masterClrMapping/>
-  </p:clrMapOvr>
-</p:sld>
-</file>
-
-<file path=ppt/slides/slide6.xml><?xml version="1.0" encoding="utf-8"?>
-<p:sld xmlns:a="http://schemas.openxmlformats.org/drawingml/2006/main" xmlns:r="http://schemas.openxmlformats.org/officeDocument/2006/relationships" xmlns:p="http://schemas.openxmlformats.org/presentationml/2006/main">
-  <p:cSld>
-    <p:spTree>
-      <p:nvGrpSpPr>
-        <p:cNvPr id="1" name=""/>
-        <p:cNvGrpSpPr/>
-        <p:nvPr/>
-      </p:nvGrpSpPr>
-      <p:grpSpPr>
-        <a:xfrm>
-          <a:off x="0" y="0"/>
-          <a:ext cx="0" cy="0"/>
-          <a:chOff x="0" y="0"/>
-          <a:chExt cx="0" cy="0"/>
-        </a:xfrm>
-      </p:grpSpPr>
-      <p:sp>
-        <p:nvSpPr>
-          <p:cNvPr id="3" name="TextBox 2">
-            <a:extLst>
-              <a:ext uri="{FF2B5EF4-FFF2-40B4-BE49-F238E27FC236}">
-                <a16:creationId xmlns:a16="http://schemas.microsoft.com/office/drawing/2014/main" id="{3DE1C918-62C5-43E5-AA2F-E89AD2C0692E}"/>
-              </a:ext>
-            </a:extLst>
-          </p:cNvPr>
-          <p:cNvSpPr txBox="1"/>
-          <p:nvPr/>
-        </p:nvSpPr>
-        <p:spPr>
-          <a:xfrm>
-            <a:off x="332932" y="391514"/>
-            <a:ext cx="9913690" cy="5730608"/>
-          </a:xfrm>
-          <a:prstGeom prst="rect">
-            <a:avLst/>
-          </a:prstGeom>
-          <a:noFill/>
-        </p:spPr>
-        <p:txBody>
-          <a:bodyPr wrap="square">
-            <a:spAutoFit/>
-          </a:bodyPr>
-          <a:lstStyle/>
-          <a:p>
-            <a:pPr marR="0" lvl="0" rtl="0">
-              <a:lnSpc>
-                <a:spcPct val="107000"/>
-              </a:lnSpc>
-              <a:spcBef>
-                <a:spcPts val="0"/>
-              </a:spcBef>
-              <a:spcAft>
-                <a:spcPts val="800"/>
-              </a:spcAft>
-              <a:tabLst>
-                <a:tab pos="228600" algn="l"/>
-              </a:tabLst>
-            </a:pPr>
-            <a:r>
-              <a:rPr lang="en-US" sz="3200" b="1" dirty="0">
-                <a:effectLst>
-                  <a:outerShdw blurRad="38100" dist="38100" dir="2700000" algn="tl">
-                    <a:srgbClr val="000000">
-                      <a:alpha val="43137"/>
-                    </a:srgbClr>
-                  </a:outerShdw>
-                </a:effectLst>
-                <a:latin typeface="Eras Medium ITC" panose="020B0602030504020804" pitchFamily="34" charset="0"/>
-                <a:ea typeface="+mj-ea"/>
-                <a:cs typeface="+mj-cs"/>
-              </a:rPr>
-              <a:t>How do you intend to approach the problem ?</a:t>
-            </a:r>
-          </a:p>
-          <a:p>
-            <a:pPr marR="0" lvl="0" rtl="0">
-              <a:lnSpc>
-                <a:spcPct val="107000"/>
-              </a:lnSpc>
-              <a:spcBef>
-                <a:spcPts val="0"/>
-              </a:spcBef>
-              <a:spcAft>
-                <a:spcPts val="800"/>
-              </a:spcAft>
-              <a:tabLst>
-                <a:tab pos="228600" algn="l"/>
-              </a:tabLst>
-            </a:pPr>
-            <a:r>
-              <a:rPr lang="en-US" sz="1600" dirty="0">
-                <a:latin typeface="Eras Medium ITC" panose="020B0602030504020804" pitchFamily="34" charset="0"/>
-              </a:rPr>
-              <a:t>One place, app or web that unites all dog’s owner needs.</a:t>
-            </a:r>
-          </a:p>
-          <a:p>
-            <a:pPr marR="0" lvl="0" rtl="0">
-              <a:lnSpc>
-                <a:spcPct val="107000"/>
-              </a:lnSpc>
-              <a:spcBef>
-                <a:spcPts val="0"/>
-              </a:spcBef>
-              <a:spcAft>
-                <a:spcPts val="800"/>
-              </a:spcAft>
-              <a:tabLst>
-                <a:tab pos="228600" algn="l"/>
-              </a:tabLst>
-            </a:pPr>
-            <a:r>
-              <a:rPr lang="en-US" sz="1600" dirty="0">
-                <a:latin typeface="Eras Medium ITC" panose="020B0602030504020804" pitchFamily="34" charset="0"/>
-              </a:rPr>
-              <a:t>The app will contain the following functionality:</a:t>
-            </a:r>
-          </a:p>
-          <a:p>
-            <a:pPr marL="342900" marR="0" lvl="0" indent="-342900" rtl="0">
-              <a:lnSpc>
-                <a:spcPct val="107000"/>
-              </a:lnSpc>
-              <a:spcBef>
-                <a:spcPts val="0"/>
-              </a:spcBef>
-              <a:spcAft>
-                <a:spcPts val="800"/>
-              </a:spcAft>
-              <a:buFont typeface="Arial" panose="020B0604020202020204" pitchFamily="34" charset="0"/>
-              <a:buChar char="•"/>
-              <a:tabLst>
-                <a:tab pos="228600" algn="l"/>
-              </a:tabLst>
-            </a:pPr>
-            <a:r>
-              <a:rPr lang="en-US" sz="1600" dirty="0">
-                <a:latin typeface="Eras Medium ITC" panose="020B0602030504020804" pitchFamily="34" charset="0"/>
-              </a:rPr>
-              <a:t>Forums with vet, trainers , doggisiter </a:t>
-            </a:r>
-          </a:p>
-          <a:p>
-            <a:pPr marL="342900" marR="0" lvl="0" indent="-342900" rtl="0">
-              <a:lnSpc>
-                <a:spcPct val="107000"/>
-              </a:lnSpc>
-              <a:spcBef>
-                <a:spcPts val="0"/>
-              </a:spcBef>
-              <a:spcAft>
-                <a:spcPts val="800"/>
-              </a:spcAft>
-              <a:buFont typeface="Arial" panose="020B0604020202020204" pitchFamily="34" charset="0"/>
-              <a:buChar char="•"/>
-              <a:tabLst>
-                <a:tab pos="228600" algn="l"/>
-              </a:tabLst>
-            </a:pPr>
-            <a:r>
-              <a:rPr lang="en-US" sz="1600" dirty="0">
-                <a:latin typeface="Eras Medium ITC" panose="020B0602030504020804" pitchFamily="34" charset="0"/>
-              </a:rPr>
-              <a:t>Breed information (how to treat, unique characteristics etc)</a:t>
-            </a:r>
-          </a:p>
-          <a:p>
-            <a:pPr marL="342900" marR="0" lvl="0" indent="-342900" rtl="0">
-              <a:lnSpc>
-                <a:spcPct val="107000"/>
-              </a:lnSpc>
-              <a:spcBef>
-                <a:spcPts val="0"/>
-              </a:spcBef>
-              <a:spcAft>
-                <a:spcPts val="800"/>
-              </a:spcAft>
-              <a:buFont typeface="Arial" panose="020B0604020202020204" pitchFamily="34" charset="0"/>
-              <a:buChar char="•"/>
-              <a:tabLst>
-                <a:tab pos="228600" algn="l"/>
-              </a:tabLst>
-            </a:pPr>
-            <a:r>
-              <a:rPr lang="en-US" sz="1600" dirty="0">
-                <a:latin typeface="Eras Medium ITC" panose="020B0602030504020804" pitchFamily="34" charset="0"/>
-              </a:rPr>
-              <a:t>Bot medical consultation </a:t>
-            </a:r>
-          </a:p>
-          <a:p>
-            <a:pPr marL="800100" lvl="1" indent="-342900">
-              <a:lnSpc>
-                <a:spcPct val="107000"/>
-              </a:lnSpc>
-              <a:spcAft>
-                <a:spcPts val="800"/>
-              </a:spcAft>
-              <a:buFont typeface="Arial" panose="020B0604020202020204" pitchFamily="34" charset="0"/>
-              <a:buChar char="•"/>
-              <a:tabLst>
-                <a:tab pos="228600" algn="l"/>
-              </a:tabLst>
-            </a:pPr>
-            <a:r>
-              <a:rPr lang="en-US" sz="1600" dirty="0">
-                <a:latin typeface="Eras Medium ITC" panose="020B0602030504020804" pitchFamily="34" charset="0"/>
-              </a:rPr>
-              <a:t>Stool analyzer </a:t>
-            </a:r>
-          </a:p>
-          <a:p>
-            <a:pPr marL="800100" lvl="1" indent="-342900">
-              <a:lnSpc>
-                <a:spcPct val="107000"/>
-              </a:lnSpc>
-              <a:spcAft>
-                <a:spcPts val="800"/>
-              </a:spcAft>
-              <a:buFont typeface="Arial" panose="020B0604020202020204" pitchFamily="34" charset="0"/>
-              <a:buChar char="•"/>
-              <a:tabLst>
-                <a:tab pos="228600" algn="l"/>
-              </a:tabLst>
-            </a:pPr>
-            <a:r>
-              <a:rPr lang="en-US" sz="1600" dirty="0">
-                <a:latin typeface="Eras Medium ITC" panose="020B0602030504020804" pitchFamily="34" charset="0"/>
-              </a:rPr>
-              <a:t>Puke analyzer </a:t>
-            </a:r>
-          </a:p>
-          <a:p>
-            <a:pPr marL="800100" lvl="1" indent="-342900">
-              <a:lnSpc>
-                <a:spcPct val="107000"/>
-              </a:lnSpc>
-              <a:spcAft>
-                <a:spcPts val="800"/>
-              </a:spcAft>
-              <a:buFont typeface="Arial" panose="020B0604020202020204" pitchFamily="34" charset="0"/>
-              <a:buChar char="•"/>
-              <a:tabLst>
-                <a:tab pos="228600" algn="l"/>
-              </a:tabLst>
-            </a:pPr>
-            <a:r>
-              <a:rPr lang="en-US" sz="1600" dirty="0">
-                <a:latin typeface="Eras Medium ITC" panose="020B0602030504020804" pitchFamily="34" charset="0"/>
-              </a:rPr>
-              <a:t>Eyes and ears</a:t>
-            </a:r>
-            <a:r>
-              <a:rPr lang="he-IL" sz="1600" dirty="0">
-                <a:latin typeface="Eras Medium ITC" panose="020B0602030504020804" pitchFamily="34" charset="0"/>
-              </a:rPr>
-              <a:t> </a:t>
-            </a:r>
-            <a:r>
-              <a:rPr lang="en-US" sz="1600" dirty="0">
-                <a:latin typeface="Eras Medium ITC" panose="020B0602030504020804" pitchFamily="34" charset="0"/>
-              </a:rPr>
-              <a:t>analyzer</a:t>
-            </a:r>
-          </a:p>
-          <a:p>
-            <a:pPr marL="800100" lvl="1" indent="-342900">
-              <a:lnSpc>
-                <a:spcPct val="107000"/>
-              </a:lnSpc>
-              <a:spcAft>
-                <a:spcPts val="800"/>
-              </a:spcAft>
-              <a:buFont typeface="Arial" panose="020B0604020202020204" pitchFamily="34" charset="0"/>
-              <a:buChar char="•"/>
-              <a:tabLst>
-                <a:tab pos="228600" algn="l"/>
-              </a:tabLst>
-            </a:pPr>
-            <a:r>
-              <a:rPr lang="en-US" sz="1600" dirty="0">
-                <a:latin typeface="Eras Medium ITC" panose="020B0602030504020804" pitchFamily="34" charset="0"/>
-              </a:rPr>
-              <a:t>Treatment of parasites</a:t>
-            </a:r>
-          </a:p>
-          <a:p>
-            <a:pPr marL="342900" indent="-342900">
-              <a:lnSpc>
-                <a:spcPct val="107000"/>
-              </a:lnSpc>
-              <a:spcAft>
-                <a:spcPts val="800"/>
-              </a:spcAft>
-              <a:buFont typeface="Arial" panose="020B0604020202020204" pitchFamily="34" charset="0"/>
-              <a:buChar char="•"/>
-              <a:tabLst>
-                <a:tab pos="228600" algn="l"/>
-              </a:tabLst>
-            </a:pPr>
-            <a:r>
-              <a:rPr lang="en-US" sz="1600" dirty="0">
-                <a:latin typeface="Eras Medium ITC" panose="020B0602030504020804" pitchFamily="34" charset="0"/>
-              </a:rPr>
-              <a:t>Vaccinations required and prices</a:t>
-            </a:r>
-          </a:p>
-          <a:p>
-            <a:pPr marL="800100" lvl="1" indent="-342900">
-              <a:lnSpc>
-                <a:spcPct val="107000"/>
-              </a:lnSpc>
-              <a:spcAft>
-                <a:spcPts val="800"/>
-              </a:spcAft>
-              <a:buFont typeface="Arial" panose="020B0604020202020204" pitchFamily="34" charset="0"/>
-              <a:buChar char="•"/>
-              <a:tabLst>
-                <a:tab pos="228600" algn="l"/>
-              </a:tabLst>
-            </a:pPr>
-            <a:r>
-              <a:rPr lang="en-US" sz="1600" dirty="0">
-                <a:latin typeface="Eras Medium ITC" panose="020B0602030504020804" pitchFamily="34" charset="0"/>
-              </a:rPr>
-              <a:t>Reminders</a:t>
-            </a:r>
-          </a:p>
-          <a:p>
-            <a:pPr marL="800100" lvl="1" indent="-342900">
-              <a:lnSpc>
-                <a:spcPct val="107000"/>
-              </a:lnSpc>
-              <a:spcAft>
-                <a:spcPts val="800"/>
-              </a:spcAft>
-              <a:buFont typeface="Arial" panose="020B0604020202020204" pitchFamily="34" charset="0"/>
-              <a:buChar char="•"/>
-              <a:tabLst>
-                <a:tab pos="228600" algn="l"/>
-              </a:tabLst>
-            </a:pPr>
-            <a:r>
-              <a:rPr lang="en-US" sz="1600" dirty="0">
-                <a:latin typeface="Eras Medium ITC" panose="020B0602030504020804" pitchFamily="34" charset="0"/>
-              </a:rPr>
-              <a:t>Record of immunizations</a:t>
-            </a:r>
-          </a:p>
-          <a:p>
-            <a:pPr marL="342900" indent="-342900">
-              <a:lnSpc>
-                <a:spcPct val="107000"/>
-              </a:lnSpc>
-              <a:spcAft>
-                <a:spcPts val="800"/>
-              </a:spcAft>
-              <a:buFont typeface="Arial" panose="020B0604020202020204" pitchFamily="34" charset="0"/>
-              <a:buChar char="•"/>
-              <a:tabLst>
-                <a:tab pos="228600" algn="l"/>
-              </a:tabLst>
-            </a:pPr>
-            <a:r>
-              <a:rPr lang="en-US" sz="1600" dirty="0">
-                <a:latin typeface="Eras Medium ITC" panose="020B0602030504020804" pitchFamily="34" charset="0"/>
-              </a:rPr>
-              <a:t>A veterinarian/veterinary hospital closest to your home</a:t>
-            </a:r>
-          </a:p>
-          <a:p>
-            <a:pPr marL="342900" indent="-342900">
-              <a:lnSpc>
-                <a:spcPct val="107000"/>
-              </a:lnSpc>
-              <a:spcAft>
-                <a:spcPts val="800"/>
-              </a:spcAft>
-              <a:buFont typeface="Arial" panose="020B0604020202020204" pitchFamily="34" charset="0"/>
-              <a:buChar char="•"/>
-              <a:tabLst>
-                <a:tab pos="228600" algn="l"/>
-              </a:tabLst>
-            </a:pPr>
-            <a:r>
-              <a:rPr lang="en-US" sz="1600" dirty="0">
-                <a:latin typeface="Eras Medium ITC" panose="020B0602030504020804" pitchFamily="34" charset="0"/>
-              </a:rPr>
-              <a:t>Diagnosing dangerous food</a:t>
-            </a:r>
-          </a:p>
-        </p:txBody>
-      </p:sp>
-    </p:spTree>
-    <p:extLst>
-      <p:ext uri="{BB962C8B-B14F-4D97-AF65-F5344CB8AC3E}">
-        <p14:creationId xmlns:p14="http://schemas.microsoft.com/office/powerpoint/2010/main" val="164336633"/>
-      </p:ext>
-    </p:extLst>
-  </p:cSld>
-  <p:clrMapOvr>
-    <a:masterClrMapping/>
-  </p:clrMapOvr>
-</p:sld>
-</file>
-
-<file path=ppt/slides/slide7.xml><?xml version="1.0" encoding="utf-8"?>
-<p:sld xmlns:a="http://schemas.openxmlformats.org/drawingml/2006/main" xmlns:r="http://schemas.openxmlformats.org/officeDocument/2006/relationships" xmlns:p="http://schemas.openxmlformats.org/presentationml/2006/main">
-  <p:cSld>
-    <p:spTree>
-      <p:nvGrpSpPr>
-        <p:cNvPr id="1" name=""/>
-        <p:cNvGrpSpPr/>
-        <p:nvPr/>
-      </p:nvGrpSpPr>
-      <p:grpSpPr>
-        <a:xfrm>
-          <a:off x="0" y="0"/>
-          <a:ext cx="0" cy="0"/>
-          <a:chOff x="0" y="0"/>
-          <a:chExt cx="0" cy="0"/>
-        </a:xfrm>
-      </p:grpSpPr>
-      <p:sp>
-        <p:nvSpPr>
-          <p:cNvPr id="3" name="TextBox 2">
-            <a:extLst>
-              <a:ext uri="{FF2B5EF4-FFF2-40B4-BE49-F238E27FC236}">
-                <a16:creationId xmlns:a16="http://schemas.microsoft.com/office/drawing/2014/main" id="{E10249E1-248C-45DE-9B6C-0BBA032EA485}"/>
-              </a:ext>
-            </a:extLst>
-          </p:cNvPr>
-          <p:cNvSpPr txBox="1"/>
-          <p:nvPr/>
-        </p:nvSpPr>
-        <p:spPr>
-          <a:xfrm>
-            <a:off x="397619" y="500122"/>
-            <a:ext cx="6751326" cy="592150"/>
-          </a:xfrm>
-          <a:prstGeom prst="rect">
-            <a:avLst/>
-          </a:prstGeom>
-          <a:noFill/>
-        </p:spPr>
-        <p:txBody>
-          <a:bodyPr wrap="square">
-            <a:spAutoFit/>
-          </a:bodyPr>
-          <a:lstStyle/>
-          <a:p>
-            <a:pPr marR="0" lvl="0" rtl="0">
-              <a:lnSpc>
-                <a:spcPct val="107000"/>
-              </a:lnSpc>
-              <a:spcBef>
-                <a:spcPts val="0"/>
-              </a:spcBef>
-              <a:spcAft>
-                <a:spcPts val="800"/>
-              </a:spcAft>
-              <a:tabLst>
-                <a:tab pos="228600" algn="l"/>
-              </a:tabLst>
-            </a:pPr>
-            <a:r>
-              <a:rPr lang="en-US" sz="3200" b="1" dirty="0">
-                <a:effectLst>
-                  <a:outerShdw blurRad="38100" dist="38100" dir="2700000" algn="tl">
-                    <a:srgbClr val="000000">
-                      <a:alpha val="43137"/>
-                    </a:srgbClr>
-                  </a:outerShdw>
-                </a:effectLst>
-                <a:latin typeface="Eras Medium ITC" panose="020B0602030504020804" pitchFamily="34" charset="0"/>
-                <a:ea typeface="+mj-ea"/>
-                <a:cs typeface="+mj-cs"/>
-              </a:rPr>
-              <a:t>Are there other approaches ?</a:t>
-            </a:r>
-          </a:p>
-        </p:txBody>
-      </p:sp>
-    </p:spTree>
-    <p:extLst>
-      <p:ext uri="{BB962C8B-B14F-4D97-AF65-F5344CB8AC3E}">
-        <p14:creationId xmlns:p14="http://schemas.microsoft.com/office/powerpoint/2010/main" val="1561612993"/>
-      </p:ext>
-    </p:extLst>
-  </p:cSld>
-  <p:clrMapOvr>
-    <a:masterClrMapping/>
-  </p:clrMapOvr>
-</p:sld>
-</file>
-
-<file path=ppt/slides/slide8.xml><?xml version="1.0" encoding="utf-8"?>
-<p:sld xmlns:a="http://schemas.openxmlformats.org/drawingml/2006/main" xmlns:r="http://schemas.openxmlformats.org/officeDocument/2006/relationships" xmlns:p="http://schemas.openxmlformats.org/presentationml/2006/main">
-  <p:cSld>
-    <p:bg>
-      <p:bgPr>
-        <a:solidFill>
-          <a:schemeClr val="bg1"/>
-        </a:solidFill>
-        <a:effectLst/>
-      </p:bgPr>
-    </p:bg>
-    <p:spTree>
-      <p:nvGrpSpPr>
-        <p:cNvPr id="1" name=""/>
-        <p:cNvGrpSpPr/>
-        <p:nvPr/>
-      </p:nvGrpSpPr>
-      <p:grpSpPr>
-        <a:xfrm>
-          <a:off x="0" y="0"/>
-          <a:ext cx="0" cy="0"/>
-          <a:chOff x="0" y="0"/>
-          <a:chExt cx="0" cy="0"/>
-        </a:xfrm>
-      </p:grpSpPr>
-      <p:sp useBgFill="1">
-        <p:nvSpPr>
-          <p:cNvPr id="18" name="Rectangle 9">
-            <a:extLst>
-              <a:ext uri="{FF2B5EF4-FFF2-40B4-BE49-F238E27FC236}">
-                <a16:creationId xmlns:a16="http://schemas.microsoft.com/office/drawing/2014/main" id="{06DA9DF9-31F7-4056-B42E-878CC92417B8}"/>
-              </a:ext>
-              <a:ext uri="{C183D7F6-B498-43B3-948B-1728B52AA6E4}">
-                <adec:decorative xmlns:adec="http://schemas.microsoft.com/office/drawing/2017/decorative" val="1"/>
-              </a:ext>
-            </a:extLst>
-          </p:cNvPr>
-          <p:cNvSpPr>
-            <a:spLocks noGrp="1" noRot="1" noChangeAspect="1" noMove="1" noResize="1" noEditPoints="1" noAdjustHandles="1" noChangeArrowheads="1" noChangeShapeType="1" noTextEdit="1"/>
-          </p:cNvSpPr>
-          <p:nvPr>
-            <p:extLst>
-              <p:ext uri="{386F3935-93C4-4BCD-93E2-E3B085C9AB24}">
-                <p16:designElem xmlns:p16="http://schemas.microsoft.com/office/powerpoint/2015/main" val="1"/>
-              </p:ext>
-            </p:extLst>
-          </p:nvPr>
-        </p:nvSpPr>
-        <p:spPr>
-          <a:xfrm>
-            <a:off x="0" y="0"/>
-            <a:ext cx="12188952" cy="6858000"/>
-          </a:xfrm>
-          <a:prstGeom prst="rect">
-            <a:avLst/>
-          </a:prstGeom>
-          <a:ln>
-            <a:noFill/>
-          </a:ln>
-        </p:spPr>
-        <p:style>
-          <a:lnRef idx="2">
-            <a:schemeClr val="accent1">
-              <a:shade val="50000"/>
-            </a:schemeClr>
-          </a:lnRef>
-          <a:fillRef idx="1">
-            <a:schemeClr val="accent1"/>
-          </a:fillRef>
-          <a:effectRef idx="0">
-            <a:schemeClr val="accent1"/>
-          </a:effectRef>
-          <a:fontRef idx="minor">
-            <a:schemeClr val="lt1"/>
-          </a:fontRef>
-        </p:style>
-        <p:txBody>
-          <a:bodyPr rtlCol="0" anchor="ctr"/>
-          <a:lstStyle/>
-          <a:p>
-            <a:pPr algn="ctr"/>
-            <a:endParaRPr lang="en-US"/>
-          </a:p>
-        </p:txBody>
-      </p:sp>
-      <p:sp>
-        <p:nvSpPr>
-          <p:cNvPr id="3" name="TextBox 2">
-            <a:extLst>
-              <a:ext uri="{FF2B5EF4-FFF2-40B4-BE49-F238E27FC236}">
-                <a16:creationId xmlns:a16="http://schemas.microsoft.com/office/drawing/2014/main" id="{F06075CC-8260-495D-A1F2-082CDD80DB29}"/>
-              </a:ext>
-            </a:extLst>
-          </p:cNvPr>
-          <p:cNvSpPr txBox="1"/>
-          <p:nvPr/>
-        </p:nvSpPr>
-        <p:spPr>
-          <a:xfrm>
-            <a:off x="643468" y="643467"/>
-            <a:ext cx="4620584" cy="4567137"/>
-          </a:xfrm>
-          <a:prstGeom prst="rect">
-            <a:avLst/>
-          </a:prstGeom>
-        </p:spPr>
-        <p:txBody>
-          <a:bodyPr vert="horz" lIns="91440" tIns="45720" rIns="91440" bIns="45720" rtlCol="0" anchor="b">
-            <a:normAutofit/>
-          </a:bodyPr>
-          <a:lstStyle/>
-          <a:p>
-            <a:pPr lvl="1">
-              <a:lnSpc>
-                <a:spcPct val="90000"/>
-              </a:lnSpc>
-              <a:spcBef>
-                <a:spcPct val="0"/>
-              </a:spcBef>
-              <a:spcAft>
-                <a:spcPts val="800"/>
-              </a:spcAft>
-              <a:tabLst>
-                <a:tab pos="228600" algn="l"/>
-              </a:tabLst>
-            </a:pPr>
-            <a:r>
-              <a:rPr lang="en-US" sz="4000" b="1" dirty="0">
-                <a:effectLst>
-                  <a:outerShdw blurRad="38100" dist="38100" dir="2700000" algn="tl">
-                    <a:srgbClr val="000000">
-                      <a:alpha val="43137"/>
-                    </a:srgbClr>
-                  </a:outerShdw>
-                </a:effectLst>
-                <a:latin typeface="Eras Medium ITC" panose="020B0602030504020804" pitchFamily="34" charset="0"/>
-                <a:ea typeface="+mj-ea"/>
-                <a:cs typeface="+mj-cs"/>
-              </a:rPr>
-              <a:t>Who are the expected users of the application ?</a:t>
-            </a:r>
-          </a:p>
-        </p:txBody>
-      </p:sp>
-      <p:pic>
-        <p:nvPicPr>
-          <p:cNvPr id="5" name="Picture 4" descr="A picture containing vector graphics&#10;&#10;Description automatically generated">
-            <a:extLst>
-              <a:ext uri="{FF2B5EF4-FFF2-40B4-BE49-F238E27FC236}">
-                <a16:creationId xmlns:a16="http://schemas.microsoft.com/office/drawing/2014/main" id="{5DCBEBEB-ADBA-4AC4-8FF3-F94BB1F990BC}"/>
-              </a:ext>
-            </a:extLst>
-          </p:cNvPr>
-          <p:cNvPicPr>
-            <a:picLocks noChangeAspect="1"/>
-          </p:cNvPicPr>
-          <p:nvPr/>
-        </p:nvPicPr>
-        <p:blipFill rotWithShape="1">
-          <a:blip r:embed="rId3">
-            <a:extLst>
-              <a:ext uri="{28A0092B-C50C-407E-A947-70E740481C1C}">
-                <a14:useLocalDpi xmlns:a14="http://schemas.microsoft.com/office/drawing/2010/main" val="0"/>
-              </a:ext>
-            </a:extLst>
-          </a:blip>
-          <a:srcRect l="8632" r="8552"/>
-          <a:stretch/>
-        </p:blipFill>
-        <p:spPr>
-          <a:xfrm>
-            <a:off x="6229215" y="10"/>
-            <a:ext cx="5962785" cy="6857990"/>
-          </a:xfrm>
-          <a:custGeom>
-            <a:avLst/>
-            <a:gdLst/>
-            <a:ahLst/>
-            <a:cxnLst/>
-            <a:rect l="l" t="t" r="r" b="b"/>
-            <a:pathLst>
-              <a:path w="5962785" h="6858000">
-                <a:moveTo>
-                  <a:pt x="1044839" y="0"/>
-                </a:moveTo>
-                <a:lnTo>
-                  <a:pt x="5962785" y="0"/>
-                </a:lnTo>
-                <a:lnTo>
-                  <a:pt x="5962785" y="6858000"/>
-                </a:lnTo>
-                <a:lnTo>
-                  <a:pt x="1469886" y="6858000"/>
-                </a:lnTo>
-                <a:lnTo>
-                  <a:pt x="1416006" y="6823984"/>
-                </a:lnTo>
-                <a:cubicBezTo>
-                  <a:pt x="1356767" y="6787940"/>
-                  <a:pt x="1296437" y="6755500"/>
-                  <a:pt x="1232473" y="6733873"/>
-                </a:cubicBezTo>
-                <a:cubicBezTo>
-                  <a:pt x="1145250" y="6705037"/>
-                  <a:pt x="1060933" y="6654575"/>
-                  <a:pt x="1075471" y="6503186"/>
-                </a:cubicBezTo>
-                <a:cubicBezTo>
-                  <a:pt x="1078378" y="6459932"/>
-                  <a:pt x="1055118" y="6427493"/>
-                  <a:pt x="1020229" y="6438306"/>
-                </a:cubicBezTo>
-                <a:cubicBezTo>
-                  <a:pt x="953358" y="6459932"/>
-                  <a:pt x="921375" y="6398656"/>
-                  <a:pt x="883579" y="6351798"/>
-                </a:cubicBezTo>
-                <a:cubicBezTo>
-                  <a:pt x="816707" y="6268895"/>
-                  <a:pt x="752743" y="6182387"/>
-                  <a:pt x="645167" y="6167969"/>
-                </a:cubicBezTo>
-                <a:cubicBezTo>
-                  <a:pt x="665519" y="6103088"/>
-                  <a:pt x="700408" y="6110298"/>
-                  <a:pt x="732391" y="6124716"/>
-                </a:cubicBezTo>
-                <a:cubicBezTo>
-                  <a:pt x="816707" y="6160761"/>
-                  <a:pt x="901023" y="6200410"/>
-                  <a:pt x="985339" y="6236455"/>
-                </a:cubicBezTo>
-                <a:cubicBezTo>
-                  <a:pt x="1040581" y="6258081"/>
-                  <a:pt x="1095822" y="6290522"/>
-                  <a:pt x="1168509" y="6265291"/>
-                </a:cubicBezTo>
-                <a:cubicBezTo>
-                  <a:pt x="1104545" y="6135530"/>
-                  <a:pt x="996969" y="6110298"/>
-                  <a:pt x="909746" y="6070649"/>
-                </a:cubicBezTo>
-                <a:cubicBezTo>
-                  <a:pt x="802169" y="6020185"/>
-                  <a:pt x="738206" y="5926470"/>
-                  <a:pt x="659704" y="5818335"/>
-                </a:cubicBezTo>
-                <a:cubicBezTo>
-                  <a:pt x="738206" y="5789500"/>
-                  <a:pt x="787632" y="5868798"/>
-                  <a:pt x="851597" y="5865193"/>
-                </a:cubicBezTo>
-                <a:cubicBezTo>
-                  <a:pt x="854504" y="5854380"/>
-                  <a:pt x="860319" y="5832753"/>
-                  <a:pt x="860319" y="5832753"/>
-                </a:cubicBezTo>
-                <a:cubicBezTo>
-                  <a:pt x="755650" y="5775081"/>
-                  <a:pt x="709132" y="5666947"/>
-                  <a:pt x="691686" y="5533581"/>
-                </a:cubicBezTo>
-                <a:cubicBezTo>
-                  <a:pt x="685872" y="5465095"/>
-                  <a:pt x="648075" y="5443468"/>
-                  <a:pt x="610278" y="5411029"/>
-                </a:cubicBezTo>
-                <a:cubicBezTo>
-                  <a:pt x="482350" y="5299289"/>
-                  <a:pt x="345700" y="5198364"/>
-                  <a:pt x="238123" y="5046976"/>
-                </a:cubicBezTo>
-                <a:cubicBezTo>
-                  <a:pt x="363144" y="5064998"/>
-                  <a:pt x="461997" y="5165924"/>
-                  <a:pt x="592833" y="5209177"/>
-                </a:cubicBezTo>
-                <a:cubicBezTo>
-                  <a:pt x="488165" y="5043371"/>
-                  <a:pt x="351514" y="4956864"/>
-                  <a:pt x="226494" y="4855939"/>
-                </a:cubicBezTo>
-                <a:cubicBezTo>
-                  <a:pt x="168344" y="4809081"/>
-                  <a:pt x="116011" y="4751408"/>
-                  <a:pt x="49139" y="4726177"/>
-                </a:cubicBezTo>
-                <a:cubicBezTo>
-                  <a:pt x="25879" y="4718968"/>
-                  <a:pt x="-14825" y="4700947"/>
-                  <a:pt x="5527" y="4650483"/>
-                </a:cubicBezTo>
-                <a:cubicBezTo>
-                  <a:pt x="22972" y="4607230"/>
-                  <a:pt x="54954" y="4621648"/>
-                  <a:pt x="84029" y="4632460"/>
-                </a:cubicBezTo>
-                <a:cubicBezTo>
-                  <a:pt x="153807" y="4661296"/>
-                  <a:pt x="229401" y="4661296"/>
-                  <a:pt x="325347" y="4661296"/>
-                </a:cubicBezTo>
-                <a:cubicBezTo>
-                  <a:pt x="243939" y="4524326"/>
-                  <a:pt x="95658" y="4567580"/>
-                  <a:pt x="25879" y="4423401"/>
-                </a:cubicBezTo>
-                <a:cubicBezTo>
-                  <a:pt x="113103" y="4398170"/>
-                  <a:pt x="179975" y="4448632"/>
-                  <a:pt x="249753" y="4459446"/>
-                </a:cubicBezTo>
-                <a:cubicBezTo>
-                  <a:pt x="313718" y="4470259"/>
-                  <a:pt x="328254" y="4445028"/>
-                  <a:pt x="313718" y="4365729"/>
-                </a:cubicBezTo>
-                <a:cubicBezTo>
-                  <a:pt x="290458" y="4243177"/>
-                  <a:pt x="325347" y="4181900"/>
-                  <a:pt x="418386" y="4214341"/>
-                </a:cubicBezTo>
-                <a:cubicBezTo>
-                  <a:pt x="505609" y="4246781"/>
-                  <a:pt x="514332" y="4199922"/>
-                  <a:pt x="491072" y="4131438"/>
-                </a:cubicBezTo>
-                <a:cubicBezTo>
-                  <a:pt x="456183" y="4030512"/>
-                  <a:pt x="493979" y="3951214"/>
-                  <a:pt x="520147" y="3864706"/>
-                </a:cubicBezTo>
-                <a:cubicBezTo>
-                  <a:pt x="560851" y="3734945"/>
-                  <a:pt x="543407" y="3670064"/>
-                  <a:pt x="459090" y="3572743"/>
-                </a:cubicBezTo>
-                <a:cubicBezTo>
-                  <a:pt x="409664" y="3518676"/>
-                  <a:pt x="360236" y="3471818"/>
-                  <a:pt x="290458" y="3424959"/>
-                </a:cubicBezTo>
-                <a:cubicBezTo>
-                  <a:pt x="450368" y="3399728"/>
-                  <a:pt x="284643" y="3313221"/>
-                  <a:pt x="339884" y="3259153"/>
-                </a:cubicBezTo>
-                <a:cubicBezTo>
-                  <a:pt x="453275" y="3237527"/>
-                  <a:pt x="543407" y="3410542"/>
-                  <a:pt x="697501" y="3360078"/>
-                </a:cubicBezTo>
-                <a:cubicBezTo>
-                  <a:pt x="511425" y="3212294"/>
-                  <a:pt x="302087" y="3165436"/>
-                  <a:pt x="165437" y="2967190"/>
-                </a:cubicBezTo>
-                <a:cubicBezTo>
-                  <a:pt x="197419" y="2923937"/>
-                  <a:pt x="229401" y="2967190"/>
-                  <a:pt x="255568" y="2949167"/>
-                </a:cubicBezTo>
-                <a:cubicBezTo>
-                  <a:pt x="255568" y="2938354"/>
-                  <a:pt x="560851" y="3006840"/>
-                  <a:pt x="578296" y="2725691"/>
-                </a:cubicBezTo>
-                <a:cubicBezTo>
-                  <a:pt x="584111" y="2725691"/>
-                  <a:pt x="589926" y="2725691"/>
-                  <a:pt x="595740" y="2714876"/>
-                </a:cubicBezTo>
-                <a:cubicBezTo>
-                  <a:pt x="627722" y="2675228"/>
-                  <a:pt x="598648" y="2581510"/>
-                  <a:pt x="650982" y="2574301"/>
-                </a:cubicBezTo>
-                <a:cubicBezTo>
-                  <a:pt x="709132" y="2567092"/>
-                  <a:pt x="764373" y="2534653"/>
-                  <a:pt x="825429" y="2552674"/>
-                </a:cubicBezTo>
-                <a:cubicBezTo>
-                  <a:pt x="871949" y="2567092"/>
-                  <a:pt x="921375" y="2585115"/>
-                  <a:pt x="970802" y="2585115"/>
-                </a:cubicBezTo>
-                <a:cubicBezTo>
-                  <a:pt x="1023136" y="2585115"/>
-                  <a:pt x="1095822" y="2707668"/>
-                  <a:pt x="1127805" y="2545465"/>
-                </a:cubicBezTo>
-                <a:cubicBezTo>
-                  <a:pt x="1127805" y="2538257"/>
-                  <a:pt x="1217936" y="2556280"/>
-                  <a:pt x="1267362" y="2563488"/>
-                </a:cubicBezTo>
-                <a:cubicBezTo>
-                  <a:pt x="1308067" y="2570698"/>
-                  <a:pt x="1357494" y="2603137"/>
-                  <a:pt x="1386568" y="2538257"/>
-                </a:cubicBezTo>
-                <a:cubicBezTo>
-                  <a:pt x="1401105" y="2498607"/>
-                  <a:pt x="1331326" y="2426518"/>
-                  <a:pt x="1270270" y="2419309"/>
-                </a:cubicBezTo>
-                <a:cubicBezTo>
-                  <a:pt x="1215029" y="2412101"/>
-                  <a:pt x="1159787" y="2404892"/>
-                  <a:pt x="1107453" y="2419309"/>
-                </a:cubicBezTo>
-                <a:cubicBezTo>
-                  <a:pt x="1043489" y="2437331"/>
-                  <a:pt x="1008599" y="2408495"/>
-                  <a:pt x="991154" y="2343615"/>
-                </a:cubicBezTo>
-                <a:cubicBezTo>
-                  <a:pt x="970802" y="2275131"/>
-                  <a:pt x="933005" y="2239085"/>
-                  <a:pt x="880671" y="2206645"/>
-                </a:cubicBezTo>
-                <a:cubicBezTo>
-                  <a:pt x="752743" y="2127346"/>
-                  <a:pt x="630630" y="2033629"/>
-                  <a:pt x="491072" y="1986771"/>
-                </a:cubicBezTo>
-                <a:cubicBezTo>
-                  <a:pt x="464905" y="1979562"/>
-                  <a:pt x="432923" y="1965145"/>
-                  <a:pt x="421293" y="1903868"/>
-                </a:cubicBezTo>
-                <a:cubicBezTo>
-                  <a:pt x="799262" y="1997584"/>
-                  <a:pt x="1142342" y="2239085"/>
-                  <a:pt x="1531941" y="2224667"/>
-                </a:cubicBezTo>
-                <a:cubicBezTo>
-                  <a:pt x="1427272" y="2148974"/>
-                  <a:pt x="1302252" y="2145369"/>
-                  <a:pt x="1188861" y="2091301"/>
-                </a:cubicBezTo>
-                <a:cubicBezTo>
-                  <a:pt x="1270270" y="2051652"/>
-                  <a:pt x="1345864" y="2094906"/>
-                  <a:pt x="1421458" y="2116532"/>
-                </a:cubicBezTo>
-                <a:cubicBezTo>
-                  <a:pt x="1485422" y="2134554"/>
-                  <a:pt x="1543571" y="2138160"/>
-                  <a:pt x="1549386" y="2026420"/>
-                </a:cubicBezTo>
-                <a:cubicBezTo>
-                  <a:pt x="1549386" y="2015607"/>
-                  <a:pt x="1549386" y="2008398"/>
-                  <a:pt x="1549386" y="1997584"/>
-                </a:cubicBezTo>
-                <a:cubicBezTo>
-                  <a:pt x="1526126" y="1950727"/>
-                  <a:pt x="1494144" y="1929099"/>
-                  <a:pt x="1453440" y="1914682"/>
-                </a:cubicBezTo>
-                <a:cubicBezTo>
-                  <a:pt x="1430180" y="1907473"/>
-                  <a:pt x="1398198" y="1893056"/>
-                  <a:pt x="1398198" y="1860614"/>
-                </a:cubicBezTo>
-                <a:cubicBezTo>
-                  <a:pt x="1401105" y="1738063"/>
-                  <a:pt x="1322604" y="1702018"/>
-                  <a:pt x="1247011" y="1665972"/>
-                </a:cubicBezTo>
-                <a:cubicBezTo>
-                  <a:pt x="1287715" y="1604696"/>
-                  <a:pt x="1322604" y="1647950"/>
-                  <a:pt x="1354586" y="1644345"/>
-                </a:cubicBezTo>
-                <a:cubicBezTo>
-                  <a:pt x="1374939" y="1640741"/>
-                  <a:pt x="1395290" y="1637138"/>
-                  <a:pt x="1395290" y="1604696"/>
-                </a:cubicBezTo>
-                <a:cubicBezTo>
-                  <a:pt x="1395290" y="1579465"/>
-                  <a:pt x="1386568" y="1547025"/>
-                  <a:pt x="1366216" y="1547025"/>
-                </a:cubicBezTo>
-                <a:cubicBezTo>
-                  <a:pt x="1238288" y="1543420"/>
-                  <a:pt x="1165601" y="1370405"/>
-                  <a:pt x="1031858" y="1370405"/>
-                </a:cubicBezTo>
-                <a:cubicBezTo>
-                  <a:pt x="950450" y="1370405"/>
-                  <a:pt x="1072563" y="1273083"/>
-                  <a:pt x="1005692" y="1233435"/>
-                </a:cubicBezTo>
-                <a:cubicBezTo>
-                  <a:pt x="991154" y="1222621"/>
-                  <a:pt x="1046396" y="1208203"/>
-                  <a:pt x="1069655" y="1211808"/>
-                </a:cubicBezTo>
-                <a:cubicBezTo>
-                  <a:pt x="1092915" y="1215412"/>
-                  <a:pt x="1113268" y="1240644"/>
-                  <a:pt x="1142342" y="1222621"/>
-                </a:cubicBezTo>
-                <a:cubicBezTo>
-                  <a:pt x="1156879" y="1157741"/>
-                  <a:pt x="1119082" y="1132510"/>
-                  <a:pt x="1084193" y="1114487"/>
-                </a:cubicBezTo>
-                <a:cubicBezTo>
-                  <a:pt x="1008599" y="1071234"/>
-                  <a:pt x="933005" y="1020771"/>
-                  <a:pt x="848689" y="1006353"/>
-                </a:cubicBezTo>
-                <a:cubicBezTo>
-                  <a:pt x="819615" y="1002748"/>
-                  <a:pt x="802169" y="984726"/>
-                  <a:pt x="805077" y="948681"/>
-                </a:cubicBezTo>
-                <a:cubicBezTo>
-                  <a:pt x="810892" y="901822"/>
-                  <a:pt x="839967" y="916240"/>
-                  <a:pt x="863226" y="919844"/>
-                </a:cubicBezTo>
-                <a:cubicBezTo>
-                  <a:pt x="877764" y="923450"/>
-                  <a:pt x="892301" y="934263"/>
-                  <a:pt x="906838" y="909031"/>
-                </a:cubicBezTo>
-                <a:cubicBezTo>
-                  <a:pt x="566666" y="653113"/>
-                  <a:pt x="386404" y="667532"/>
-                  <a:pt x="5527" y="458471"/>
-                </a:cubicBezTo>
-                <a:cubicBezTo>
-                  <a:pt x="89843" y="418822"/>
-                  <a:pt x="150900" y="447658"/>
-                  <a:pt x="209049" y="454867"/>
-                </a:cubicBezTo>
-                <a:cubicBezTo>
-                  <a:pt x="354422" y="472890"/>
-                  <a:pt x="264290" y="505329"/>
-                  <a:pt x="409664" y="526956"/>
-                </a:cubicBezTo>
-                <a:cubicBezTo>
-                  <a:pt x="479443" y="537770"/>
-                  <a:pt x="543407" y="573815"/>
-                  <a:pt x="621908" y="516143"/>
-                </a:cubicBezTo>
-                <a:cubicBezTo>
-                  <a:pt x="674242" y="476494"/>
-                  <a:pt x="758558" y="519747"/>
-                  <a:pt x="822522" y="552188"/>
-                </a:cubicBezTo>
-                <a:cubicBezTo>
-                  <a:pt x="874856" y="581024"/>
-                  <a:pt x="927190" y="588232"/>
-                  <a:pt x="996969" y="552188"/>
-                </a:cubicBezTo>
-                <a:cubicBezTo>
-                  <a:pt x="933005" y="530562"/>
-                  <a:pt x="883579" y="512539"/>
-                  <a:pt x="834151" y="498120"/>
-                </a:cubicBezTo>
-                <a:cubicBezTo>
-                  <a:pt x="793447" y="487307"/>
-                  <a:pt x="770187" y="462076"/>
-                  <a:pt x="773095" y="408008"/>
-                </a:cubicBezTo>
-                <a:cubicBezTo>
-                  <a:pt x="773095" y="379172"/>
-                  <a:pt x="764373" y="339523"/>
-                  <a:pt x="793447" y="325106"/>
-                </a:cubicBezTo>
-                <a:cubicBezTo>
-                  <a:pt x="816707" y="310688"/>
-                  <a:pt x="848689" y="325106"/>
-                  <a:pt x="860319" y="350336"/>
-                </a:cubicBezTo>
-                <a:cubicBezTo>
-                  <a:pt x="874856" y="397195"/>
-                  <a:pt x="889393" y="440449"/>
-                  <a:pt x="938820" y="444054"/>
-                </a:cubicBezTo>
-                <a:cubicBezTo>
-                  <a:pt x="1005692" y="451262"/>
-                  <a:pt x="967894" y="422426"/>
-                  <a:pt x="956265" y="386381"/>
-                </a:cubicBezTo>
-                <a:cubicBezTo>
-                  <a:pt x="944635" y="346733"/>
-                  <a:pt x="979525" y="335919"/>
-                  <a:pt x="1002784" y="343127"/>
-                </a:cubicBezTo>
-                <a:cubicBezTo>
-                  <a:pt x="1090008" y="375569"/>
-                  <a:pt x="1180139" y="317897"/>
-                  <a:pt x="1270270" y="364755"/>
-                </a:cubicBezTo>
-                <a:cubicBezTo>
-                  <a:pt x="1247011" y="249411"/>
-                  <a:pt x="1197583" y="198949"/>
-                  <a:pt x="1092915" y="180926"/>
-                </a:cubicBezTo>
-                <a:cubicBezTo>
-                  <a:pt x="1055118" y="177322"/>
-                  <a:pt x="1014414" y="184530"/>
-                  <a:pt x="979525" y="152090"/>
-                </a:cubicBezTo>
-                <a:cubicBezTo>
-                  <a:pt x="959172" y="134068"/>
-                  <a:pt x="938820" y="112441"/>
-                  <a:pt x="953358" y="76396"/>
-                </a:cubicBezTo>
-                <a:cubicBezTo>
-                  <a:pt x="962080" y="51165"/>
-                  <a:pt x="985339" y="51165"/>
-                  <a:pt x="1005692" y="58373"/>
-                </a:cubicBezTo>
-                <a:cubicBezTo>
-                  <a:pt x="1090008" y="98023"/>
-                  <a:pt x="1180139" y="108837"/>
-                  <a:pt x="1267362" y="123254"/>
-                </a:cubicBezTo>
-                <a:cubicBezTo>
-                  <a:pt x="1281900" y="126859"/>
-                  <a:pt x="1296437" y="134068"/>
-                  <a:pt x="1310975" y="98023"/>
-                </a:cubicBezTo>
-                <a:cubicBezTo>
-                  <a:pt x="1260095" y="81803"/>
-                  <a:pt x="1209941" y="62879"/>
-                  <a:pt x="1159787" y="43505"/>
-                </a:cubicBezTo>
-                <a:close/>
-              </a:path>
-            </a:pathLst>
-          </a:custGeom>
-        </p:spPr>
-      </p:pic>
-    </p:spTree>
-    <p:extLst>
-      <p:ext uri="{BB962C8B-B14F-4D97-AF65-F5344CB8AC3E}">
-        <p14:creationId xmlns:p14="http://schemas.microsoft.com/office/powerpoint/2010/main" val="2507107282"/>
-      </p:ext>
-    </p:extLst>
-  </p:cSld>
-  <p:clrMapOvr>
-    <a:masterClrMapping/>
-  </p:clrMapOvr>
-</p:sld>
-</file>
-
-<file path=ppt/slides/slide9.xml><?xml version="1.0" encoding="utf-8"?>
-<p:sld xmlns:a="http://schemas.openxmlformats.org/drawingml/2006/main" xmlns:r="http://schemas.openxmlformats.org/officeDocument/2006/relationships" xmlns:p="http://schemas.openxmlformats.org/presentationml/2006/main">
-  <p:cSld>
-    <p:spTree>
-      <p:nvGrpSpPr>
-        <p:cNvPr id="1" name=""/>
-        <p:cNvGrpSpPr/>
-        <p:nvPr/>
-      </p:nvGrpSpPr>
-      <p:grpSpPr>
-        <a:xfrm>
-          <a:off x="0" y="0"/>
-          <a:ext cx="0" cy="0"/>
-          <a:chOff x="0" y="0"/>
-          <a:chExt cx="0" cy="0"/>
-        </a:xfrm>
-      </p:grpSpPr>
-      <p:sp>
-        <p:nvSpPr>
-          <p:cNvPr id="3" name="TextBox 2">
-            <a:extLst>
-              <a:ext uri="{FF2B5EF4-FFF2-40B4-BE49-F238E27FC236}">
-                <a16:creationId xmlns:a16="http://schemas.microsoft.com/office/drawing/2014/main" id="{50C17A3F-8E81-4EA9-9B6C-1DF754F6DC4F}"/>
-              </a:ext>
-            </a:extLst>
-          </p:cNvPr>
-          <p:cNvSpPr txBox="1"/>
-          <p:nvPr/>
-        </p:nvSpPr>
-        <p:spPr>
-          <a:xfrm>
-            <a:off x="293710" y="435678"/>
-            <a:ext cx="7863154" cy="592150"/>
-          </a:xfrm>
-          <a:prstGeom prst="rect">
-            <a:avLst/>
-          </a:prstGeom>
-          <a:noFill/>
-        </p:spPr>
-        <p:txBody>
-          <a:bodyPr wrap="square">
-            <a:spAutoFit/>
-          </a:bodyPr>
-          <a:lstStyle/>
-          <a:p>
-            <a:pPr marR="0" lvl="0" rtl="0">
-              <a:lnSpc>
-                <a:spcPct val="107000"/>
-              </a:lnSpc>
-              <a:spcBef>
-                <a:spcPts val="0"/>
-              </a:spcBef>
-              <a:spcAft>
-                <a:spcPts val="800"/>
-              </a:spcAft>
-              <a:tabLst>
-                <a:tab pos="228600" algn="l"/>
-              </a:tabLst>
-            </a:pPr>
-            <a:r>
-              <a:rPr lang="en-US" sz="3200" b="1" dirty="0">
-                <a:effectLst>
-                  <a:outerShdw blurRad="38100" dist="38100" dir="2700000" algn="tl">
-                    <a:srgbClr val="000000">
-                      <a:alpha val="43137"/>
-                    </a:srgbClr>
-                  </a:outerShdw>
-                </a:effectLst>
-                <a:latin typeface="Eras Medium ITC" panose="020B0602030504020804" pitchFamily="34" charset="0"/>
-                <a:ea typeface="+mj-ea"/>
-                <a:cs typeface="+mj-cs"/>
-              </a:rPr>
-              <a:t>Are there any external dependencies ?</a:t>
-            </a:r>
-          </a:p>
-        </p:txBody>
-      </p:sp>
-    </p:spTree>
-    <p:extLst>
-      <p:ext uri="{BB962C8B-B14F-4D97-AF65-F5344CB8AC3E}">
-        <p14:creationId xmlns:p14="http://schemas.microsoft.com/office/powerpoint/2010/main" val="3871959679"/>
       </p:ext>
     </p:extLst>
   </p:cSld>
@@ -7835,4 +9525,47 @@
     </a:ext>
   </a:extLst>
 </a:theme>
+</file>
+
+<file path=ppt/theme/themeOverride1.xml><?xml version="1.0" encoding="utf-8"?>
+<a:themeOverride xmlns:a="http://schemas.openxmlformats.org/drawingml/2006/main">
+  <a:clrScheme name="Office">
+    <a:dk1>
+      <a:sysClr val="windowText" lastClr="000000"/>
+    </a:dk1>
+    <a:lt1>
+      <a:sysClr val="window" lastClr="FFFFFF"/>
+    </a:lt1>
+    <a:dk2>
+      <a:srgbClr val="44546A"/>
+    </a:dk2>
+    <a:lt2>
+      <a:srgbClr val="E7E6E6"/>
+    </a:lt2>
+    <a:accent1>
+      <a:srgbClr val="4472C4"/>
+    </a:accent1>
+    <a:accent2>
+      <a:srgbClr val="ED7D31"/>
+    </a:accent2>
+    <a:accent3>
+      <a:srgbClr val="A5A5A5"/>
+    </a:accent3>
+    <a:accent4>
+      <a:srgbClr val="FFC000"/>
+    </a:accent4>
+    <a:accent5>
+      <a:srgbClr val="5B9BD5"/>
+    </a:accent5>
+    <a:accent6>
+      <a:srgbClr val="70AD47"/>
+    </a:accent6>
+    <a:hlink>
+      <a:srgbClr val="0563C1"/>
+    </a:hlink>
+    <a:folHlink>
+      <a:srgbClr val="954F72"/>
+    </a:folHlink>
+  </a:clrScheme>
+</a:themeOverride>
 </file>